--- a/ppts/IT Seminar Final.pptx
+++ b/ppts/IT Seminar Final.pptx
@@ -5,7 +5,7 @@
     <p:sldMasterId id="2147483648" r:id="rId1"/>
   </p:sldMasterIdLst>
   <p:notesMasterIdLst>
-    <p:notesMasterId r:id="rId16"/>
+    <p:notesMasterId r:id="rId15"/>
   </p:notesMasterIdLst>
   <p:sldIdLst>
     <p:sldId id="293" r:id="rId2"/>
@@ -20,20 +20,19 @@
     <p:sldId id="346" r:id="rId11"/>
     <p:sldId id="336" r:id="rId12"/>
     <p:sldId id="347" r:id="rId13"/>
-    <p:sldId id="281" r:id="rId14"/>
-    <p:sldId id="335" r:id="rId15"/>
+    <p:sldId id="335" r:id="rId14"/>
   </p:sldIdLst>
   <p:sldSz cx="12192000" cy="6858000"/>
   <p:notesSz cx="6858000" cy="9144000"/>
   <p:embeddedFontLst>
     <p:embeddedFont>
       <p:font typeface="맑은 고딕" panose="020B0503020000020004" pitchFamily="50" charset="-127"/>
-      <p:regular r:id="rId17"/>
-      <p:bold r:id="rId18"/>
+      <p:regular r:id="rId16"/>
+      <p:bold r:id="rId17"/>
     </p:embeddedFont>
     <p:embeddedFont>
       <p:font typeface="배달의민족 주아" panose="02020603020101020101" pitchFamily="18" charset="-127"/>
-      <p:regular r:id="rId19"/>
+      <p:regular r:id="rId18"/>
     </p:embeddedFont>
   </p:embeddedFontLst>
   <p:defaultTextStyle>
@@ -238,7 +237,7 @@
             <a:fld id="{10322024-73EF-44C6-9599-79AE7BB0A7CE}" type="datetimeFigureOut">
               <a:rPr lang="ko-KR" altLang="en-US" smtClean="0"/>
               <a:pPr/>
-              <a:t>2018-12-10</a:t>
+              <a:t>2018-12-11</a:t>
             </a:fld>
             <a:endParaRPr lang="ko-KR" altLang="en-US" dirty="0"/>
           </a:p>
@@ -720,7 +719,7 @@
             <a:fld id="{4390BB7C-ED8A-4757-AD83-71D1217BD5FA}" type="datetimeFigureOut">
               <a:rPr lang="ko-KR" altLang="en-US" smtClean="0"/>
               <a:pPr/>
-              <a:t>2018-12-10</a:t>
+              <a:t>2018-12-11</a:t>
             </a:fld>
             <a:endParaRPr lang="ko-KR" altLang="en-US" dirty="0"/>
           </a:p>
@@ -938,7 +937,7 @@
             <a:fld id="{4390BB7C-ED8A-4757-AD83-71D1217BD5FA}" type="datetimeFigureOut">
               <a:rPr lang="ko-KR" altLang="en-US" smtClean="0"/>
               <a:pPr/>
-              <a:t>2018-12-10</a:t>
+              <a:t>2018-12-11</a:t>
             </a:fld>
             <a:endParaRPr lang="ko-KR" altLang="en-US" dirty="0"/>
           </a:p>
@@ -1118,7 +1117,7 @@
             <a:fld id="{4390BB7C-ED8A-4757-AD83-71D1217BD5FA}" type="datetimeFigureOut">
               <a:rPr lang="ko-KR" altLang="en-US" smtClean="0"/>
               <a:pPr/>
-              <a:t>2018-12-10</a:t>
+              <a:t>2018-12-11</a:t>
             </a:fld>
             <a:endParaRPr lang="ko-KR" altLang="en-US" dirty="0"/>
           </a:p>
@@ -1318,7 +1317,7 @@
             <a:fld id="{4390BB7C-ED8A-4757-AD83-71D1217BD5FA}" type="datetimeFigureOut">
               <a:rPr lang="ko-KR" altLang="en-US" smtClean="0"/>
               <a:pPr/>
-              <a:t>2018-12-10</a:t>
+              <a:t>2018-12-11</a:t>
             </a:fld>
             <a:endParaRPr lang="ko-KR" altLang="en-US" dirty="0"/>
           </a:p>
@@ -1565,7 +1564,7 @@
             <a:fld id="{4390BB7C-ED8A-4757-AD83-71D1217BD5FA}" type="datetimeFigureOut">
               <a:rPr lang="ko-KR" altLang="en-US" smtClean="0"/>
               <a:pPr/>
-              <a:t>2018-12-10</a:t>
+              <a:t>2018-12-11</a:t>
             </a:fld>
             <a:endParaRPr lang="ko-KR" altLang="en-US" dirty="0"/>
           </a:p>
@@ -1796,7 +1795,7 @@
             <a:fld id="{4390BB7C-ED8A-4757-AD83-71D1217BD5FA}" type="datetimeFigureOut">
               <a:rPr lang="ko-KR" altLang="en-US" smtClean="0"/>
               <a:pPr/>
-              <a:t>2018-12-10</a:t>
+              <a:t>2018-12-11</a:t>
             </a:fld>
             <a:endParaRPr lang="ko-KR" altLang="en-US" dirty="0"/>
           </a:p>
@@ -2162,7 +2161,7 @@
             <a:fld id="{4390BB7C-ED8A-4757-AD83-71D1217BD5FA}" type="datetimeFigureOut">
               <a:rPr lang="ko-KR" altLang="en-US" smtClean="0"/>
               <a:pPr/>
-              <a:t>2018-12-10</a:t>
+              <a:t>2018-12-11</a:t>
             </a:fld>
             <a:endParaRPr lang="ko-KR" altLang="en-US" dirty="0"/>
           </a:p>
@@ -2281,7 +2280,7 @@
             <a:fld id="{4390BB7C-ED8A-4757-AD83-71D1217BD5FA}" type="datetimeFigureOut">
               <a:rPr lang="ko-KR" altLang="en-US" smtClean="0"/>
               <a:pPr/>
-              <a:t>2018-12-10</a:t>
+              <a:t>2018-12-11</a:t>
             </a:fld>
             <a:endParaRPr lang="ko-KR" altLang="en-US" dirty="0"/>
           </a:p>
@@ -2378,7 +2377,7 @@
             <a:fld id="{4390BB7C-ED8A-4757-AD83-71D1217BD5FA}" type="datetimeFigureOut">
               <a:rPr lang="ko-KR" altLang="en-US" smtClean="0"/>
               <a:pPr/>
-              <a:t>2018-12-10</a:t>
+              <a:t>2018-12-11</a:t>
             </a:fld>
             <a:endParaRPr lang="ko-KR" altLang="en-US" dirty="0"/>
           </a:p>
@@ -2655,7 +2654,7 @@
             <a:fld id="{4390BB7C-ED8A-4757-AD83-71D1217BD5FA}" type="datetimeFigureOut">
               <a:rPr lang="ko-KR" altLang="en-US" smtClean="0"/>
               <a:pPr/>
-              <a:t>2018-12-10</a:t>
+              <a:t>2018-12-11</a:t>
             </a:fld>
             <a:endParaRPr lang="ko-KR" altLang="en-US" dirty="0"/>
           </a:p>
@@ -2909,7 +2908,7 @@
             <a:fld id="{4390BB7C-ED8A-4757-AD83-71D1217BD5FA}" type="datetimeFigureOut">
               <a:rPr lang="ko-KR" altLang="en-US" smtClean="0"/>
               <a:pPr/>
-              <a:t>2018-12-10</a:t>
+              <a:t>2018-12-11</a:t>
             </a:fld>
             <a:endParaRPr lang="ko-KR" altLang="en-US" dirty="0"/>
           </a:p>
@@ -3122,7 +3121,7 @@
             <a:fld id="{4390BB7C-ED8A-4757-AD83-71D1217BD5FA}" type="datetimeFigureOut">
               <a:rPr lang="ko-KR" altLang="en-US" smtClean="0"/>
               <a:pPr/>
-              <a:t>2018-12-10</a:t>
+              <a:t>2018-12-11</a:t>
             </a:fld>
             <a:endParaRPr lang="ko-KR" altLang="en-US" dirty="0"/>
           </a:p>
@@ -6113,7 +6112,7 @@
           <p:nvPr>
             <p:extLst>
               <p:ext uri="{D42A27DB-BD31-4B8C-83A1-F6EECF244321}">
-                <p14:modId xmlns:p14="http://schemas.microsoft.com/office/powerpoint/2010/main" val="2012087585"/>
+                <p14:modId xmlns:p14="http://schemas.microsoft.com/office/powerpoint/2010/main" val="3364279277"/>
               </p:ext>
             </p:extLst>
           </p:nvPr>
@@ -6372,7 +6371,7 @@
                           <a:latin typeface="배달의민족 주아" pitchFamily="18" charset="-127"/>
                           <a:ea typeface="배달의민족 주아" pitchFamily="18" charset="-127"/>
                         </a:rPr>
-                        <a:t>프로젝트 계획</a:t>
+                        <a:t>프로젝트 시연</a:t>
                       </a:r>
                     </a:p>
                   </a:txBody>
@@ -8280,7 +8279,7 @@
         </p:blipFill>
         <p:spPr>
           <a:xfrm>
-            <a:off x="2781745" y="4113194"/>
+            <a:off x="2781745" y="4232059"/>
             <a:ext cx="8782050" cy="2019300"/>
           </a:xfrm>
           <a:prstGeom prst="rect">
@@ -8313,7 +8312,7 @@
           <p:nvPr>
             <p:extLst>
               <p:ext uri="{D42A27DB-BD31-4B8C-83A1-F6EECF244321}">
-                <p14:modId xmlns:p14="http://schemas.microsoft.com/office/powerpoint/2010/main" val="2862687516"/>
+                <p14:modId xmlns:p14="http://schemas.microsoft.com/office/powerpoint/2010/main" val="46102614"/>
               </p:ext>
             </p:extLst>
           </p:nvPr>
@@ -8572,7 +8571,7 @@
                           <a:latin typeface="배달의민족 주아" pitchFamily="18" charset="-127"/>
                           <a:ea typeface="배달의민족 주아" pitchFamily="18" charset="-127"/>
                         </a:rPr>
-                        <a:t>프로젝트 계획</a:t>
+                        <a:t>프로젝트 시연</a:t>
                       </a:r>
                     </a:p>
                   </a:txBody>
@@ -8628,6 +8627,161 @@
           </a:graphicData>
         </a:graphic>
       </p:graphicFrame>
+      <p:pic>
+        <p:nvPicPr>
+          <p:cNvPr id="1026" name="Picture 2" descr="Image result for aws comprehend">
+            <a:extLst>
+              <a:ext uri="{FF2B5EF4-FFF2-40B4-BE49-F238E27FC236}">
+                <a16:creationId xmlns:a16="http://schemas.microsoft.com/office/drawing/2014/main" id="{F685006F-85DD-48C9-BA75-21744997C90D}"/>
+              </a:ext>
+            </a:extLst>
+          </p:cNvPr>
+          <p:cNvPicPr>
+            <a:picLocks noChangeAspect="1" noChangeArrowheads="1"/>
+          </p:cNvPicPr>
+          <p:nvPr/>
+        </p:nvPicPr>
+        <p:blipFill>
+          <a:blip r:embed="rId3">
+            <a:extLst>
+              <a:ext uri="{28A0092B-C50C-407E-A947-70E740481C1C}">
+                <a14:useLocalDpi xmlns:a14="http://schemas.microsoft.com/office/drawing/2010/main" val="0"/>
+              </a:ext>
+            </a:extLst>
+          </a:blip>
+          <a:srcRect/>
+          <a:stretch>
+            <a:fillRect/>
+          </a:stretch>
+        </p:blipFill>
+        <p:spPr bwMode="auto">
+          <a:xfrm>
+            <a:off x="7967664" y="2490295"/>
+            <a:ext cx="1112476" cy="1094239"/>
+          </a:xfrm>
+          <a:prstGeom prst="rect">
+            <a:avLst/>
+          </a:prstGeom>
+          <a:noFill/>
+          <a:extLst>
+            <a:ext uri="{909E8E84-426E-40DD-AFC4-6F175D3DCCD1}">
+              <a14:hiddenFill xmlns:a14="http://schemas.microsoft.com/office/drawing/2010/main">
+                <a:solidFill>
+                  <a:srgbClr val="FFFFFF"/>
+                </a:solidFill>
+              </a14:hiddenFill>
+            </a:ext>
+          </a:extLst>
+        </p:spPr>
+      </p:pic>
+      <p:sp>
+        <p:nvSpPr>
+          <p:cNvPr id="10" name="화살표: 오른쪽 9">
+            <a:extLst>
+              <a:ext uri="{FF2B5EF4-FFF2-40B4-BE49-F238E27FC236}">
+                <a16:creationId xmlns:a16="http://schemas.microsoft.com/office/drawing/2014/main" id="{A34C7D15-F3A4-46B1-B3E0-8D8A43A885FE}"/>
+              </a:ext>
+            </a:extLst>
+          </p:cNvPr>
+          <p:cNvSpPr/>
+          <p:nvPr/>
+        </p:nvSpPr>
+        <p:spPr>
+          <a:xfrm>
+            <a:off x="7230283" y="2975058"/>
+            <a:ext cx="268448" cy="198894"/>
+          </a:xfrm>
+          <a:prstGeom prst="rightArrow">
+            <a:avLst/>
+          </a:prstGeom>
+          <a:solidFill>
+            <a:srgbClr val="E96953"/>
+          </a:solidFill>
+          <a:ln>
+            <a:solidFill>
+              <a:srgbClr val="E96953"/>
+            </a:solidFill>
+          </a:ln>
+        </p:spPr>
+        <p:style>
+          <a:lnRef idx="2">
+            <a:schemeClr val="accent1">
+              <a:shade val="50000"/>
+            </a:schemeClr>
+          </a:lnRef>
+          <a:fillRef idx="1">
+            <a:schemeClr val="accent1"/>
+          </a:fillRef>
+          <a:effectRef idx="0">
+            <a:schemeClr val="accent1"/>
+          </a:effectRef>
+          <a:fontRef idx="minor">
+            <a:schemeClr val="lt1"/>
+          </a:fontRef>
+        </p:style>
+        <p:txBody>
+          <a:bodyPr rtlCol="0" anchor="ctr"/>
+          <a:lstStyle/>
+          <a:p>
+            <a:pPr algn="ctr"/>
+            <a:endParaRPr lang="ko-KR" altLang="en-US"/>
+          </a:p>
+        </p:txBody>
+      </p:sp>
+      <p:sp>
+        <p:nvSpPr>
+          <p:cNvPr id="11" name="화살표: 오른쪽 10">
+            <a:extLst>
+              <a:ext uri="{FF2B5EF4-FFF2-40B4-BE49-F238E27FC236}">
+                <a16:creationId xmlns:a16="http://schemas.microsoft.com/office/drawing/2014/main" id="{4A17BF8A-86A4-43A7-9A95-AC52ED32AA46}"/>
+              </a:ext>
+            </a:extLst>
+          </p:cNvPr>
+          <p:cNvSpPr/>
+          <p:nvPr/>
+        </p:nvSpPr>
+        <p:spPr>
+          <a:xfrm rot="5400000">
+            <a:off x="8389678" y="3808849"/>
+            <a:ext cx="268448" cy="198894"/>
+          </a:xfrm>
+          <a:prstGeom prst="rightArrow">
+            <a:avLst/>
+          </a:prstGeom>
+          <a:solidFill>
+            <a:srgbClr val="E96953"/>
+          </a:solidFill>
+          <a:ln>
+            <a:solidFill>
+              <a:srgbClr val="E96953"/>
+            </a:solidFill>
+          </a:ln>
+        </p:spPr>
+        <p:style>
+          <a:lnRef idx="2">
+            <a:schemeClr val="accent1">
+              <a:shade val="50000"/>
+            </a:schemeClr>
+          </a:lnRef>
+          <a:fillRef idx="1">
+            <a:schemeClr val="accent1"/>
+          </a:fillRef>
+          <a:effectRef idx="0">
+            <a:schemeClr val="accent1"/>
+          </a:effectRef>
+          <a:fontRef idx="minor">
+            <a:schemeClr val="lt1"/>
+          </a:fontRef>
+        </p:style>
+        <p:txBody>
+          <a:bodyPr rtlCol="0" anchor="ctr"/>
+          <a:lstStyle/>
+          <a:p>
+            <a:pPr algn="ctr"/>
+            <a:endParaRPr lang="ko-KR" altLang="en-US"/>
+          </a:p>
+        </p:txBody>
+      </p:sp>
     </p:spTree>
     <p:extLst>
       <p:ext uri="{BB962C8B-B14F-4D97-AF65-F5344CB8AC3E}">
@@ -8661,38 +8815,6 @@
       </p:grpSpPr>
       <p:sp>
         <p:nvSpPr>
-          <p:cNvPr id="16" name="TextBox 15"/>
-          <p:cNvSpPr txBox="1"/>
-          <p:nvPr/>
-        </p:nvSpPr>
-        <p:spPr>
-          <a:xfrm>
-            <a:off x="377764" y="997429"/>
-            <a:ext cx="4097529" cy="584775"/>
-          </a:xfrm>
-          <a:prstGeom prst="rect">
-            <a:avLst/>
-          </a:prstGeom>
-          <a:noFill/>
-        </p:spPr>
-        <p:txBody>
-          <a:bodyPr wrap="square" rtlCol="0">
-            <a:spAutoFit/>
-          </a:bodyPr>
-          <a:lstStyle/>
-          <a:p>
-            <a:r>
-              <a:rPr lang="ko-KR" altLang="en-US" sz="3200" dirty="0">
-                <a:latin typeface="배달의민족 주아" pitchFamily="18" charset="-127"/>
-                <a:ea typeface="배달의민족 주아" pitchFamily="18" charset="-127"/>
-              </a:rPr>
-              <a:t>뉴스 데이터 분석</a:t>
-            </a:r>
-          </a:p>
-        </p:txBody>
-      </p:sp>
-      <p:sp>
-        <p:nvSpPr>
           <p:cNvPr id="40" name="TextBox 39"/>
           <p:cNvSpPr txBox="1"/>
           <p:nvPr/>
@@ -8720,1784 +8842,6 @@
           </a:p>
         </p:txBody>
       </p:sp>
-      <p:sp>
-        <p:nvSpPr>
-          <p:cNvPr id="18" name="TextBox 17">
-            <a:extLst>
-              <a:ext uri="{FF2B5EF4-FFF2-40B4-BE49-F238E27FC236}">
-                <a16:creationId xmlns:a16="http://schemas.microsoft.com/office/drawing/2014/main" id="{39C53DA6-555E-4C3D-B5CB-8017B5EA5788}"/>
-              </a:ext>
-            </a:extLst>
-          </p:cNvPr>
-          <p:cNvSpPr txBox="1"/>
-          <p:nvPr/>
-        </p:nvSpPr>
-        <p:spPr>
-          <a:xfrm>
-            <a:off x="1066798" y="1811528"/>
-            <a:ext cx="5476615" cy="400110"/>
-          </a:xfrm>
-          <a:prstGeom prst="rect">
-            <a:avLst/>
-          </a:prstGeom>
-          <a:noFill/>
-        </p:spPr>
-        <p:txBody>
-          <a:bodyPr wrap="square" rtlCol="0">
-            <a:spAutoFit/>
-          </a:bodyPr>
-          <a:lstStyle/>
-          <a:p>
-            <a:r>
-              <a:rPr lang="en-US" altLang="ko-KR" sz="2000" dirty="0">
-                <a:latin typeface="배달의민족 주아" pitchFamily="18" charset="-127"/>
-                <a:ea typeface="배달의민족 주아" pitchFamily="18" charset="-127"/>
-              </a:rPr>
-              <a:t>AWS</a:t>
-            </a:r>
-            <a:r>
-              <a:rPr lang="ko-KR" altLang="en-US" sz="2000" dirty="0">
-                <a:latin typeface="배달의민족 주아" pitchFamily="18" charset="-127"/>
-                <a:ea typeface="배달의민족 주아" pitchFamily="18" charset="-127"/>
-              </a:rPr>
-              <a:t> </a:t>
-            </a:r>
-            <a:r>
-              <a:rPr lang="en-US" altLang="ko-KR" sz="2000" dirty="0">
-                <a:latin typeface="배달의민족 주아" pitchFamily="18" charset="-127"/>
-                <a:ea typeface="배달의민족 주아" pitchFamily="18" charset="-127"/>
-              </a:rPr>
-              <a:t>Comprehend</a:t>
-            </a:r>
-            <a:r>
-              <a:rPr lang="ko-KR" altLang="en-US" sz="2000" dirty="0">
-                <a:latin typeface="배달의민족 주아" pitchFamily="18" charset="-127"/>
-                <a:ea typeface="배달의민족 주아" pitchFamily="18" charset="-127"/>
-              </a:rPr>
-              <a:t> 를 이용한 텍스트 분석</a:t>
-            </a:r>
-          </a:p>
-        </p:txBody>
-      </p:sp>
-      <p:sp>
-        <p:nvSpPr>
-          <p:cNvPr id="20" name="타원 19">
-            <a:extLst>
-              <a:ext uri="{FF2B5EF4-FFF2-40B4-BE49-F238E27FC236}">
-                <a16:creationId xmlns:a16="http://schemas.microsoft.com/office/drawing/2014/main" id="{C7E58078-772A-468A-88A9-F8889CE65232}"/>
-              </a:ext>
-            </a:extLst>
-          </p:cNvPr>
-          <p:cNvSpPr/>
-          <p:nvPr/>
-        </p:nvSpPr>
-        <p:spPr>
-          <a:xfrm>
-            <a:off x="883920" y="1948688"/>
-            <a:ext cx="97536" cy="97536"/>
-          </a:xfrm>
-          <a:prstGeom prst="ellipse">
-            <a:avLst/>
-          </a:prstGeom>
-          <a:solidFill>
-            <a:srgbClr val="E96953"/>
-          </a:solidFill>
-          <a:ln>
-            <a:solidFill>
-              <a:schemeClr val="bg1"/>
-            </a:solidFill>
-          </a:ln>
-        </p:spPr>
-        <p:style>
-          <a:lnRef idx="2">
-            <a:schemeClr val="accent1">
-              <a:shade val="50000"/>
-            </a:schemeClr>
-          </a:lnRef>
-          <a:fillRef idx="1">
-            <a:schemeClr val="accent1"/>
-          </a:fillRef>
-          <a:effectRef idx="0">
-            <a:schemeClr val="accent1"/>
-          </a:effectRef>
-          <a:fontRef idx="minor">
-            <a:schemeClr val="lt1"/>
-          </a:fontRef>
-        </p:style>
-        <p:txBody>
-          <a:bodyPr rtlCol="0" anchor="ctr"/>
-          <a:lstStyle/>
-          <a:p>
-            <a:pPr algn="ctr"/>
-            <a:endParaRPr lang="ko-KR" altLang="en-US">
-              <a:latin typeface="배달의민족 주아" pitchFamily="18" charset="-127"/>
-              <a:ea typeface="배달의민족 주아" pitchFamily="18" charset="-127"/>
-            </a:endParaRPr>
-          </a:p>
-        </p:txBody>
-      </p:sp>
-      <p:sp>
-        <p:nvSpPr>
-          <p:cNvPr id="24" name="직사각형 23">
-            <a:extLst>
-              <a:ext uri="{FF2B5EF4-FFF2-40B4-BE49-F238E27FC236}">
-                <a16:creationId xmlns:a16="http://schemas.microsoft.com/office/drawing/2014/main" id="{0437461C-900A-4B83-9332-EB9CC05905B6}"/>
-              </a:ext>
-            </a:extLst>
-          </p:cNvPr>
-          <p:cNvSpPr/>
-          <p:nvPr/>
-        </p:nvSpPr>
-        <p:spPr>
-          <a:xfrm>
-            <a:off x="472843" y="2522705"/>
-            <a:ext cx="6288507" cy="2123658"/>
-          </a:xfrm>
-          <a:prstGeom prst="rect">
-            <a:avLst/>
-          </a:prstGeom>
-          <a:noFill/>
-          <a:ln>
-            <a:noFill/>
-          </a:ln>
-        </p:spPr>
-        <p:style>
-          <a:lnRef idx="0">
-            <a:scrgbClr r="0" g="0" b="0"/>
-          </a:lnRef>
-          <a:fillRef idx="0">
-            <a:scrgbClr r="0" g="0" b="0"/>
-          </a:fillRef>
-          <a:effectRef idx="0">
-            <a:scrgbClr r="0" g="0" b="0"/>
-          </a:effectRef>
-          <a:fontRef idx="minor">
-            <a:schemeClr val="accent3"/>
-          </a:fontRef>
-        </p:style>
-        <p:txBody>
-          <a:bodyPr wrap="square">
-            <a:spAutoFit/>
-          </a:bodyPr>
-          <a:lstStyle/>
-          <a:p>
-            <a:r>
-              <a:rPr lang="ko-KR" altLang="en-US" sz="1200" dirty="0">
-                <a:latin typeface="배달의민족 주아" panose="02020603020101020101" pitchFamily="18" charset="-127"/>
-                <a:ea typeface="배달의민족 주아" panose="02020603020101020101" pitchFamily="18" charset="-127"/>
-              </a:rPr>
-              <a:t> </a:t>
-            </a:r>
-            <a:r>
-              <a:rPr lang="ko-KR" altLang="en-US" sz="1200" dirty="0" err="1">
-                <a:latin typeface="배달의민족 주아" panose="02020603020101020101" pitchFamily="18" charset="-127"/>
-                <a:ea typeface="배달의민족 주아" panose="02020603020101020101" pitchFamily="18" charset="-127"/>
-              </a:rPr>
-              <a:t>Dec</a:t>
-            </a:r>
-            <a:r>
-              <a:rPr lang="ko-KR" altLang="en-US" sz="1200" dirty="0">
-                <a:latin typeface="배달의민족 주아" panose="02020603020101020101" pitchFamily="18" charset="-127"/>
-                <a:ea typeface="배달의민족 주아" panose="02020603020101020101" pitchFamily="18" charset="-127"/>
-              </a:rPr>
-              <a:t> 6 (</a:t>
-            </a:r>
-            <a:r>
-              <a:rPr lang="ko-KR" altLang="en-US" sz="1200" dirty="0" err="1">
-                <a:latin typeface="배달의민족 주아" panose="02020603020101020101" pitchFamily="18" charset="-127"/>
-                <a:ea typeface="배달의민족 주아" panose="02020603020101020101" pitchFamily="18" charset="-127"/>
-              </a:rPr>
-              <a:t>Reuters</a:t>
-            </a:r>
-            <a:r>
-              <a:rPr lang="ko-KR" altLang="en-US" sz="1200" dirty="0">
-                <a:latin typeface="배달의민족 주아" panose="02020603020101020101" pitchFamily="18" charset="-127"/>
-                <a:ea typeface="배달의민족 주아" panose="02020603020101020101" pitchFamily="18" charset="-127"/>
-              </a:rPr>
-              <a:t>) - </a:t>
-            </a:r>
-            <a:r>
-              <a:rPr lang="ko-KR" altLang="en-US" sz="1200" dirty="0" err="1">
-                <a:latin typeface="배달의민족 주아" panose="02020603020101020101" pitchFamily="18" charset="-127"/>
-                <a:ea typeface="배달의민족 주아" panose="02020603020101020101" pitchFamily="18" charset="-127"/>
-              </a:rPr>
-              <a:t>Walgreens</a:t>
-            </a:r>
-            <a:r>
-              <a:rPr lang="ko-KR" altLang="en-US" sz="1200" dirty="0">
-                <a:latin typeface="배달의민족 주아" panose="02020603020101020101" pitchFamily="18" charset="-127"/>
-                <a:ea typeface="배달의민족 주아" panose="02020603020101020101" pitchFamily="18" charset="-127"/>
-              </a:rPr>
-              <a:t> </a:t>
-            </a:r>
-            <a:r>
-              <a:rPr lang="ko-KR" altLang="en-US" sz="1200" dirty="0" err="1">
-                <a:latin typeface="배달의민족 주아" panose="02020603020101020101" pitchFamily="18" charset="-127"/>
-                <a:ea typeface="배달의민족 주아" panose="02020603020101020101" pitchFamily="18" charset="-127"/>
-              </a:rPr>
-              <a:t>Boots</a:t>
-            </a:r>
-            <a:r>
-              <a:rPr lang="ko-KR" altLang="en-US" sz="1200" dirty="0">
-                <a:latin typeface="배달의민족 주아" panose="02020603020101020101" pitchFamily="18" charset="-127"/>
-                <a:ea typeface="배달의민족 주아" panose="02020603020101020101" pitchFamily="18" charset="-127"/>
-              </a:rPr>
-              <a:t> </a:t>
-            </a:r>
-            <a:r>
-              <a:rPr lang="ko-KR" altLang="en-US" sz="1200" dirty="0" err="1">
-                <a:latin typeface="배달의민족 주아" panose="02020603020101020101" pitchFamily="18" charset="-127"/>
-                <a:ea typeface="배달의민족 주아" panose="02020603020101020101" pitchFamily="18" charset="-127"/>
-              </a:rPr>
-              <a:t>Alliance</a:t>
-            </a:r>
-            <a:r>
-              <a:rPr lang="ko-KR" altLang="en-US" sz="1200" dirty="0">
-                <a:latin typeface="배달의민족 주아" panose="02020603020101020101" pitchFamily="18" charset="-127"/>
-                <a:ea typeface="배달의민족 주아" panose="02020603020101020101" pitchFamily="18" charset="-127"/>
-              </a:rPr>
-              <a:t> (WBA) </a:t>
-            </a:r>
-            <a:r>
-              <a:rPr lang="ko-KR" altLang="en-US" sz="1200" dirty="0" err="1">
-                <a:latin typeface="배달의민족 주아" panose="02020603020101020101" pitchFamily="18" charset="-127"/>
-                <a:ea typeface="배달의민족 주아" panose="02020603020101020101" pitchFamily="18" charset="-127"/>
-              </a:rPr>
-              <a:t>said</a:t>
-            </a:r>
-            <a:r>
-              <a:rPr lang="ko-KR" altLang="en-US" sz="1200" dirty="0">
-                <a:latin typeface="배달의민족 주아" panose="02020603020101020101" pitchFamily="18" charset="-127"/>
-                <a:ea typeface="배달의민족 주아" panose="02020603020101020101" pitchFamily="18" charset="-127"/>
-              </a:rPr>
-              <a:t> </a:t>
-            </a:r>
-            <a:r>
-              <a:rPr lang="ko-KR" altLang="en-US" sz="1200" dirty="0" err="1">
-                <a:latin typeface="배달의민족 주아" panose="02020603020101020101" pitchFamily="18" charset="-127"/>
-                <a:ea typeface="배달의민족 주아" panose="02020603020101020101" pitchFamily="18" charset="-127"/>
-              </a:rPr>
-              <a:t>onThursday</a:t>
-            </a:r>
-            <a:r>
-              <a:rPr lang="ko-KR" altLang="en-US" sz="1200" dirty="0">
-                <a:latin typeface="배달의민족 주아" panose="02020603020101020101" pitchFamily="18" charset="-127"/>
-                <a:ea typeface="배달의민족 주아" panose="02020603020101020101" pitchFamily="18" charset="-127"/>
-              </a:rPr>
-              <a:t> </a:t>
-            </a:r>
-            <a:r>
-              <a:rPr lang="ko-KR" altLang="en-US" sz="1200" dirty="0" err="1">
-                <a:latin typeface="배달의민족 주아" panose="02020603020101020101" pitchFamily="18" charset="-127"/>
-                <a:ea typeface="배달의민족 주아" panose="02020603020101020101" pitchFamily="18" charset="-127"/>
-              </a:rPr>
-              <a:t>it</a:t>
-            </a:r>
-            <a:r>
-              <a:rPr lang="ko-KR" altLang="en-US" sz="1200" dirty="0">
-                <a:latin typeface="배달의민족 주아" panose="02020603020101020101" pitchFamily="18" charset="-127"/>
-                <a:ea typeface="배달의민족 주아" panose="02020603020101020101" pitchFamily="18" charset="-127"/>
-              </a:rPr>
-              <a:t> </a:t>
-            </a:r>
-            <a:r>
-              <a:rPr lang="ko-KR" altLang="en-US" sz="1200" dirty="0" err="1">
-                <a:latin typeface="배달의민족 주아" panose="02020603020101020101" pitchFamily="18" charset="-127"/>
-                <a:ea typeface="배달의민족 주아" panose="02020603020101020101" pitchFamily="18" charset="-127"/>
-              </a:rPr>
-              <a:t>would</a:t>
-            </a:r>
-            <a:r>
-              <a:rPr lang="ko-KR" altLang="en-US" sz="1200" dirty="0">
-                <a:latin typeface="배달의민족 주아" panose="02020603020101020101" pitchFamily="18" charset="-127"/>
-                <a:ea typeface="배달의민족 주아" panose="02020603020101020101" pitchFamily="18" charset="-127"/>
-              </a:rPr>
-              <a:t> </a:t>
-            </a:r>
-            <a:r>
-              <a:rPr lang="ko-KR" altLang="en-US" sz="1200" dirty="0" err="1">
-                <a:latin typeface="배달의민족 주아" panose="02020603020101020101" pitchFamily="18" charset="-127"/>
-                <a:ea typeface="배달의민족 주아" panose="02020603020101020101" pitchFamily="18" charset="-127"/>
-              </a:rPr>
-              <a:t>partner</a:t>
-            </a:r>
-            <a:r>
-              <a:rPr lang="ko-KR" altLang="en-US" sz="1200" dirty="0">
-                <a:latin typeface="배달의민족 주아" panose="02020603020101020101" pitchFamily="18" charset="-127"/>
-                <a:ea typeface="배달의민족 주아" panose="02020603020101020101" pitchFamily="18" charset="-127"/>
-              </a:rPr>
-              <a:t> </a:t>
-            </a:r>
-            <a:r>
-              <a:rPr lang="ko-KR" altLang="en-US" sz="1200" dirty="0" err="1">
-                <a:latin typeface="배달의민족 주아" panose="02020603020101020101" pitchFamily="18" charset="-127"/>
-                <a:ea typeface="배달의민족 주아" panose="02020603020101020101" pitchFamily="18" charset="-127"/>
-              </a:rPr>
-              <a:t>with</a:t>
-            </a:r>
-            <a:r>
-              <a:rPr lang="ko-KR" altLang="en-US" sz="1200" dirty="0">
-                <a:latin typeface="배달의민족 주아" panose="02020603020101020101" pitchFamily="18" charset="-127"/>
-                <a:ea typeface="배달의민족 주아" panose="02020603020101020101" pitchFamily="18" charset="-127"/>
-              </a:rPr>
-              <a:t> FedEx Corp (FDX) </a:t>
-            </a:r>
-            <a:r>
-              <a:rPr lang="ko-KR" altLang="en-US" sz="1200" dirty="0" err="1">
-                <a:latin typeface="배달의민족 주아" panose="02020603020101020101" pitchFamily="18" charset="-127"/>
-                <a:ea typeface="배달의민족 주아" panose="02020603020101020101" pitchFamily="18" charset="-127"/>
-              </a:rPr>
-              <a:t>to</a:t>
-            </a:r>
-            <a:r>
-              <a:rPr lang="ko-KR" altLang="en-US" sz="1200" dirty="0">
-                <a:latin typeface="배달의민족 주아" panose="02020603020101020101" pitchFamily="18" charset="-127"/>
-                <a:ea typeface="배달의민족 주아" panose="02020603020101020101" pitchFamily="18" charset="-127"/>
-              </a:rPr>
-              <a:t> </a:t>
-            </a:r>
-            <a:r>
-              <a:rPr lang="ko-KR" altLang="en-US" sz="1200" dirty="0" err="1">
-                <a:latin typeface="배달의민족 주아" panose="02020603020101020101" pitchFamily="18" charset="-127"/>
-                <a:ea typeface="배달의민족 주아" panose="02020603020101020101" pitchFamily="18" charset="-127"/>
-              </a:rPr>
-              <a:t>launch</a:t>
-            </a:r>
-            <a:r>
-              <a:rPr lang="ko-KR" altLang="en-US" sz="1200" dirty="0">
-                <a:latin typeface="배달의민족 주아" panose="02020603020101020101" pitchFamily="18" charset="-127"/>
-                <a:ea typeface="배달의민족 주아" panose="02020603020101020101" pitchFamily="18" charset="-127"/>
-              </a:rPr>
-              <a:t> </a:t>
-            </a:r>
-            <a:r>
-              <a:rPr lang="ko-KR" altLang="en-US" sz="1200" dirty="0" err="1">
-                <a:latin typeface="배달의민족 주아" panose="02020603020101020101" pitchFamily="18" charset="-127"/>
-                <a:ea typeface="배달의민족 주아" panose="02020603020101020101" pitchFamily="18" charset="-127"/>
-              </a:rPr>
-              <a:t>anext-day</a:t>
-            </a:r>
-            <a:endParaRPr lang="ko-KR" altLang="en-US" sz="1200" dirty="0">
-              <a:latin typeface="배달의민족 주아" panose="02020603020101020101" pitchFamily="18" charset="-127"/>
-              <a:ea typeface="배달의민족 주아" panose="02020603020101020101" pitchFamily="18" charset="-127"/>
-            </a:endParaRPr>
-          </a:p>
-          <a:p>
-            <a:r>
-              <a:rPr lang="ko-KR" altLang="en-US" sz="1200" dirty="0" err="1">
-                <a:latin typeface="배달의민족 주아" panose="02020603020101020101" pitchFamily="18" charset="-127"/>
-                <a:ea typeface="배달의민족 주아" panose="02020603020101020101" pitchFamily="18" charset="-127"/>
-              </a:rPr>
-              <a:t>delivery</a:t>
-            </a:r>
-            <a:r>
-              <a:rPr lang="ko-KR" altLang="en-US" sz="1200" dirty="0">
-                <a:latin typeface="배달의민족 주아" panose="02020603020101020101" pitchFamily="18" charset="-127"/>
-                <a:ea typeface="배달의민족 주아" panose="02020603020101020101" pitchFamily="18" charset="-127"/>
-              </a:rPr>
-              <a:t> </a:t>
-            </a:r>
-            <a:r>
-              <a:rPr lang="ko-KR" altLang="en-US" sz="1200" dirty="0" err="1">
-                <a:latin typeface="배달의민족 주아" panose="02020603020101020101" pitchFamily="18" charset="-127"/>
-                <a:ea typeface="배달의민족 주아" panose="02020603020101020101" pitchFamily="18" charset="-127"/>
-              </a:rPr>
-              <a:t>service</a:t>
-            </a:r>
-            <a:r>
-              <a:rPr lang="ko-KR" altLang="en-US" sz="1200" dirty="0">
-                <a:latin typeface="배달의민족 주아" panose="02020603020101020101" pitchFamily="18" charset="-127"/>
-                <a:ea typeface="배달의민족 주아" panose="02020603020101020101" pitchFamily="18" charset="-127"/>
-              </a:rPr>
-              <a:t> </a:t>
-            </a:r>
-            <a:r>
-              <a:rPr lang="ko-KR" altLang="en-US" sz="1200" dirty="0" err="1">
-                <a:latin typeface="배달의민족 주아" panose="02020603020101020101" pitchFamily="18" charset="-127"/>
-                <a:ea typeface="배달의민족 주아" panose="02020603020101020101" pitchFamily="18" charset="-127"/>
-              </a:rPr>
-              <a:t>for</a:t>
-            </a:r>
-            <a:r>
-              <a:rPr lang="ko-KR" altLang="en-US" sz="1200" dirty="0">
-                <a:latin typeface="배달의민족 주아" panose="02020603020101020101" pitchFamily="18" charset="-127"/>
-                <a:ea typeface="배달의민족 주아" panose="02020603020101020101" pitchFamily="18" charset="-127"/>
-              </a:rPr>
-              <a:t> </a:t>
-            </a:r>
-            <a:r>
-              <a:rPr lang="ko-KR" altLang="en-US" sz="1200" dirty="0" err="1">
-                <a:latin typeface="배달의민족 주아" panose="02020603020101020101" pitchFamily="18" charset="-127"/>
-                <a:ea typeface="배달의민족 주아" panose="02020603020101020101" pitchFamily="18" charset="-127"/>
-              </a:rPr>
-              <a:t>prescription</a:t>
-            </a:r>
-            <a:r>
-              <a:rPr lang="ko-KR" altLang="en-US" sz="1200" dirty="0">
-                <a:latin typeface="배달의민족 주아" panose="02020603020101020101" pitchFamily="18" charset="-127"/>
-                <a:ea typeface="배달의민족 주아" panose="02020603020101020101" pitchFamily="18" charset="-127"/>
-              </a:rPr>
-              <a:t> </a:t>
-            </a:r>
-            <a:r>
-              <a:rPr lang="ko-KR" altLang="en-US" sz="1200" dirty="0" err="1">
-                <a:latin typeface="배달의민족 주아" panose="02020603020101020101" pitchFamily="18" charset="-127"/>
-                <a:ea typeface="배달의민족 주아" panose="02020603020101020101" pitchFamily="18" charset="-127"/>
-              </a:rPr>
-              <a:t>drugs</a:t>
-            </a:r>
-            <a:r>
-              <a:rPr lang="ko-KR" altLang="en-US" sz="1200" dirty="0">
-                <a:latin typeface="배달의민족 주아" panose="02020603020101020101" pitchFamily="18" charset="-127"/>
-                <a:ea typeface="배달의민족 주아" panose="02020603020101020101" pitchFamily="18" charset="-127"/>
-              </a:rPr>
-              <a:t> </a:t>
-            </a:r>
-            <a:r>
-              <a:rPr lang="ko-KR" altLang="en-US" sz="1200" dirty="0" err="1">
-                <a:latin typeface="배달의민족 주아" panose="02020603020101020101" pitchFamily="18" charset="-127"/>
-                <a:ea typeface="배달의민족 주아" panose="02020603020101020101" pitchFamily="18" charset="-127"/>
-              </a:rPr>
-              <a:t>nationwide,giving</a:t>
-            </a:r>
-            <a:r>
-              <a:rPr lang="ko-KR" altLang="en-US" sz="1200" dirty="0">
-                <a:latin typeface="배달의민족 주아" panose="02020603020101020101" pitchFamily="18" charset="-127"/>
-                <a:ea typeface="배달의민족 주아" panose="02020603020101020101" pitchFamily="18" charset="-127"/>
-              </a:rPr>
-              <a:t> </a:t>
-            </a:r>
-            <a:r>
-              <a:rPr lang="ko-KR" altLang="en-US" sz="1200" dirty="0" err="1">
-                <a:latin typeface="배달의민족 주아" panose="02020603020101020101" pitchFamily="18" charset="-127"/>
-                <a:ea typeface="배달의민족 주아" panose="02020603020101020101" pitchFamily="18" charset="-127"/>
-              </a:rPr>
-              <a:t>it</a:t>
-            </a:r>
-            <a:r>
-              <a:rPr lang="ko-KR" altLang="en-US" sz="1200" dirty="0">
-                <a:latin typeface="배달의민족 주아" panose="02020603020101020101" pitchFamily="18" charset="-127"/>
-                <a:ea typeface="배달의민족 주아" panose="02020603020101020101" pitchFamily="18" charset="-127"/>
-              </a:rPr>
-              <a:t> </a:t>
-            </a:r>
-            <a:r>
-              <a:rPr lang="ko-KR" altLang="en-US" sz="1200" dirty="0" err="1">
-                <a:latin typeface="배달의민족 주아" panose="02020603020101020101" pitchFamily="18" charset="-127"/>
-                <a:ea typeface="배달의민족 주아" panose="02020603020101020101" pitchFamily="18" charset="-127"/>
-              </a:rPr>
-              <a:t>a</a:t>
-            </a:r>
-            <a:r>
-              <a:rPr lang="ko-KR" altLang="en-US" sz="1200" dirty="0">
-                <a:latin typeface="배달의민족 주아" panose="02020603020101020101" pitchFamily="18" charset="-127"/>
-                <a:ea typeface="배달의민족 주아" panose="02020603020101020101" pitchFamily="18" charset="-127"/>
-              </a:rPr>
-              <a:t> </a:t>
-            </a:r>
-            <a:r>
-              <a:rPr lang="ko-KR" altLang="en-US" sz="1200" dirty="0" err="1">
-                <a:latin typeface="배달의민족 주아" panose="02020603020101020101" pitchFamily="18" charset="-127"/>
-                <a:ea typeface="배달의민족 주아" panose="02020603020101020101" pitchFamily="18" charset="-127"/>
-              </a:rPr>
-              <a:t>leg</a:t>
-            </a:r>
-            <a:r>
-              <a:rPr lang="ko-KR" altLang="en-US" sz="1200" dirty="0">
-                <a:latin typeface="배달의민족 주아" panose="02020603020101020101" pitchFamily="18" charset="-127"/>
-                <a:ea typeface="배달의민족 주아" panose="02020603020101020101" pitchFamily="18" charset="-127"/>
-              </a:rPr>
-              <a:t> </a:t>
-            </a:r>
-            <a:r>
-              <a:rPr lang="ko-KR" altLang="en-US" sz="1200" dirty="0" err="1">
-                <a:latin typeface="배달의민족 주아" panose="02020603020101020101" pitchFamily="18" charset="-127"/>
-                <a:ea typeface="배달의민족 주아" panose="02020603020101020101" pitchFamily="18" charset="-127"/>
-              </a:rPr>
-              <a:t>up</a:t>
-            </a:r>
-            <a:r>
-              <a:rPr lang="ko-KR" altLang="en-US" sz="1200" dirty="0">
-                <a:latin typeface="배달의민족 주아" panose="02020603020101020101" pitchFamily="18" charset="-127"/>
-                <a:ea typeface="배달의민족 주아" panose="02020603020101020101" pitchFamily="18" charset="-127"/>
-              </a:rPr>
-              <a:t> </a:t>
-            </a:r>
-            <a:r>
-              <a:rPr lang="ko-KR" altLang="en-US" sz="1200" dirty="0" err="1">
-                <a:latin typeface="배달의민족 주아" panose="02020603020101020101" pitchFamily="18" charset="-127"/>
-                <a:ea typeface="배달의민족 주아" panose="02020603020101020101" pitchFamily="18" charset="-127"/>
-              </a:rPr>
-              <a:t>as</a:t>
-            </a:r>
-            <a:r>
-              <a:rPr lang="ko-KR" altLang="en-US" sz="1200" dirty="0">
-                <a:latin typeface="배달의민족 주아" panose="02020603020101020101" pitchFamily="18" charset="-127"/>
-                <a:ea typeface="배달의민족 주아" panose="02020603020101020101" pitchFamily="18" charset="-127"/>
-              </a:rPr>
-              <a:t> </a:t>
-            </a:r>
-            <a:r>
-              <a:rPr lang="ko-KR" altLang="en-US" sz="1200" dirty="0" err="1">
-                <a:latin typeface="배달의민족 주아" panose="02020603020101020101" pitchFamily="18" charset="-127"/>
-                <a:ea typeface="배달의민족 주아" panose="02020603020101020101" pitchFamily="18" charset="-127"/>
-              </a:rPr>
-              <a:t>Amazon</a:t>
-            </a:r>
-            <a:r>
-              <a:rPr lang="ko-KR" altLang="en-US" sz="1200" dirty="0">
-                <a:latin typeface="배달의민족 주아" panose="02020603020101020101" pitchFamily="18" charset="-127"/>
-                <a:ea typeface="배달의민족 주아" panose="02020603020101020101" pitchFamily="18" charset="-127"/>
-              </a:rPr>
-              <a:t> (AMZN) </a:t>
-            </a:r>
-            <a:r>
-              <a:rPr lang="ko-KR" altLang="en-US" sz="1200" dirty="0" err="1">
-                <a:latin typeface="배달의민족 주아" panose="02020603020101020101" pitchFamily="18" charset="-127"/>
-                <a:ea typeface="배달의민족 주아" panose="02020603020101020101" pitchFamily="18" charset="-127"/>
-              </a:rPr>
-              <a:t>threatens</a:t>
-            </a:r>
-            <a:r>
-              <a:rPr lang="ko-KR" altLang="en-US" sz="1200" dirty="0">
-                <a:latin typeface="배달의민족 주아" panose="02020603020101020101" pitchFamily="18" charset="-127"/>
-                <a:ea typeface="배달의민족 주아" panose="02020603020101020101" pitchFamily="18" charset="-127"/>
-              </a:rPr>
-              <a:t> </a:t>
-            </a:r>
-            <a:r>
-              <a:rPr lang="ko-KR" altLang="en-US" sz="1200" dirty="0" err="1">
-                <a:latin typeface="배달의민족 주아" panose="02020603020101020101" pitchFamily="18" charset="-127"/>
-                <a:ea typeface="배달의민족 주아" panose="02020603020101020101" pitchFamily="18" charset="-127"/>
-              </a:rPr>
-              <a:t>to</a:t>
-            </a:r>
-            <a:r>
-              <a:rPr lang="ko-KR" altLang="en-US" sz="1200" dirty="0">
-                <a:latin typeface="배달의민족 주아" panose="02020603020101020101" pitchFamily="18" charset="-127"/>
-                <a:ea typeface="배달의민족 주아" panose="02020603020101020101" pitchFamily="18" charset="-127"/>
-              </a:rPr>
-              <a:t> </a:t>
-            </a:r>
-            <a:r>
-              <a:rPr lang="ko-KR" altLang="en-US" sz="1200" dirty="0" err="1">
-                <a:latin typeface="배달의민족 주아" panose="02020603020101020101" pitchFamily="18" charset="-127"/>
-                <a:ea typeface="배달의민족 주아" panose="02020603020101020101" pitchFamily="18" charset="-127"/>
-              </a:rPr>
-              <a:t>shake-up</a:t>
-            </a:r>
-            <a:r>
-              <a:rPr lang="ko-KR" altLang="en-US" sz="1200" dirty="0">
-                <a:latin typeface="배달의민족 주아" panose="02020603020101020101" pitchFamily="18" charset="-127"/>
-                <a:ea typeface="배달의민족 주아" panose="02020603020101020101" pitchFamily="18" charset="-127"/>
-              </a:rPr>
-              <a:t> </a:t>
-            </a:r>
-            <a:r>
-              <a:rPr lang="ko-KR" altLang="en-US" sz="1200" dirty="0" err="1">
-                <a:latin typeface="배달의민족 주아" panose="02020603020101020101" pitchFamily="18" charset="-127"/>
-                <a:ea typeface="배달의민족 주아" panose="02020603020101020101" pitchFamily="18" charset="-127"/>
-              </a:rPr>
-              <a:t>the</a:t>
-            </a:r>
-            <a:r>
-              <a:rPr lang="ko-KR" altLang="en-US" sz="1200" dirty="0">
-                <a:latin typeface="배달의민족 주아" panose="02020603020101020101" pitchFamily="18" charset="-127"/>
-                <a:ea typeface="배달의민족 주아" panose="02020603020101020101" pitchFamily="18" charset="-127"/>
-              </a:rPr>
-              <a:t> </a:t>
-            </a:r>
-            <a:r>
-              <a:rPr lang="ko-KR" altLang="en-US" sz="1200" dirty="0" err="1">
-                <a:latin typeface="배달의민족 주아" panose="02020603020101020101" pitchFamily="18" charset="-127"/>
-                <a:ea typeface="배달의민족 주아" panose="02020603020101020101" pitchFamily="18" charset="-127"/>
-              </a:rPr>
-              <a:t>sector.In</a:t>
-            </a:r>
-            <a:r>
-              <a:rPr lang="ko-KR" altLang="en-US" sz="1200" dirty="0">
-                <a:latin typeface="배달의민족 주아" panose="02020603020101020101" pitchFamily="18" charset="-127"/>
-                <a:ea typeface="배달의민족 주아" panose="02020603020101020101" pitchFamily="18" charset="-127"/>
-              </a:rPr>
-              <a:t> </a:t>
-            </a:r>
-            <a:r>
-              <a:rPr lang="ko-KR" altLang="en-US" sz="1200" dirty="0" err="1">
-                <a:latin typeface="배달의민족 주아" panose="02020603020101020101" pitchFamily="18" charset="-127"/>
-                <a:ea typeface="배달의민족 주아" panose="02020603020101020101" pitchFamily="18" charset="-127"/>
-              </a:rPr>
-              <a:t>the</a:t>
-            </a:r>
-            <a:r>
-              <a:rPr lang="ko-KR" altLang="en-US" sz="1200" dirty="0">
-                <a:latin typeface="배달의민족 주아" panose="02020603020101020101" pitchFamily="18" charset="-127"/>
-                <a:ea typeface="배달의민족 주아" panose="02020603020101020101" pitchFamily="18" charset="-127"/>
-              </a:rPr>
-              <a:t> </a:t>
-            </a:r>
-            <a:r>
-              <a:rPr lang="ko-KR" altLang="en-US" sz="1200" dirty="0" err="1">
-                <a:latin typeface="배달의민족 주아" panose="02020603020101020101" pitchFamily="18" charset="-127"/>
-                <a:ea typeface="배달의민족 주아" panose="02020603020101020101" pitchFamily="18" charset="-127"/>
-              </a:rPr>
-              <a:t>race</a:t>
-            </a:r>
-            <a:r>
-              <a:rPr lang="ko-KR" altLang="en-US" sz="1200" dirty="0">
-                <a:latin typeface="배달의민족 주아" panose="02020603020101020101" pitchFamily="18" charset="-127"/>
-                <a:ea typeface="배달의민족 주아" panose="02020603020101020101" pitchFamily="18" charset="-127"/>
-              </a:rPr>
-              <a:t> </a:t>
-            </a:r>
-            <a:r>
-              <a:rPr lang="ko-KR" altLang="en-US" sz="1200" dirty="0" err="1">
-                <a:latin typeface="배달의민족 주아" panose="02020603020101020101" pitchFamily="18" charset="-127"/>
-                <a:ea typeface="배달의민족 주아" panose="02020603020101020101" pitchFamily="18" charset="-127"/>
-              </a:rPr>
-              <a:t>to</a:t>
-            </a:r>
-            <a:r>
-              <a:rPr lang="ko-KR" altLang="en-US" sz="1200" dirty="0">
-                <a:latin typeface="배달의민족 주아" panose="02020603020101020101" pitchFamily="18" charset="-127"/>
-                <a:ea typeface="배달의민족 주아" panose="02020603020101020101" pitchFamily="18" charset="-127"/>
-              </a:rPr>
-              <a:t> </a:t>
-            </a:r>
-            <a:r>
-              <a:rPr lang="ko-KR" altLang="en-US" sz="1200" dirty="0" err="1">
-                <a:latin typeface="배달의민족 주아" panose="02020603020101020101" pitchFamily="18" charset="-127"/>
-                <a:ea typeface="배달의민족 주아" panose="02020603020101020101" pitchFamily="18" charset="-127"/>
-              </a:rPr>
-              <a:t>make</a:t>
-            </a:r>
-            <a:r>
-              <a:rPr lang="ko-KR" altLang="en-US" sz="1200" dirty="0">
-                <a:latin typeface="배달의민족 주아" panose="02020603020101020101" pitchFamily="18" charset="-127"/>
-                <a:ea typeface="배달의민족 주아" panose="02020603020101020101" pitchFamily="18" charset="-127"/>
-              </a:rPr>
-              <a:t> </a:t>
-            </a:r>
-            <a:r>
-              <a:rPr lang="ko-KR" altLang="en-US" sz="1200" dirty="0" err="1">
-                <a:latin typeface="배달의민족 주아" panose="02020603020101020101" pitchFamily="18" charset="-127"/>
-                <a:ea typeface="배달의민족 주아" panose="02020603020101020101" pitchFamily="18" charset="-127"/>
-              </a:rPr>
-              <a:t>inroads</a:t>
-            </a:r>
-            <a:r>
-              <a:rPr lang="ko-KR" altLang="en-US" sz="1200" dirty="0">
-                <a:latin typeface="배달의민족 주아" panose="02020603020101020101" pitchFamily="18" charset="-127"/>
-                <a:ea typeface="배달의민족 주아" panose="02020603020101020101" pitchFamily="18" charset="-127"/>
-              </a:rPr>
-              <a:t> </a:t>
-            </a:r>
-            <a:r>
-              <a:rPr lang="ko-KR" altLang="en-US" sz="1200" dirty="0" err="1">
-                <a:latin typeface="배달의민족 주아" panose="02020603020101020101" pitchFamily="18" charset="-127"/>
-                <a:ea typeface="배달의민족 주아" panose="02020603020101020101" pitchFamily="18" charset="-127"/>
-              </a:rPr>
-              <a:t>in</a:t>
-            </a:r>
-            <a:r>
-              <a:rPr lang="ko-KR" altLang="en-US" sz="1200" dirty="0">
-                <a:latin typeface="배달의민족 주아" panose="02020603020101020101" pitchFamily="18" charset="-127"/>
-                <a:ea typeface="배달의민족 주아" panose="02020603020101020101" pitchFamily="18" charset="-127"/>
-              </a:rPr>
-              <a:t> </a:t>
-            </a:r>
-            <a:r>
-              <a:rPr lang="ko-KR" altLang="en-US" sz="1200" dirty="0" err="1">
-                <a:latin typeface="배달의민족 주아" panose="02020603020101020101" pitchFamily="18" charset="-127"/>
-                <a:ea typeface="배달의민족 주아" panose="02020603020101020101" pitchFamily="18" charset="-127"/>
-              </a:rPr>
-              <a:t>the</a:t>
-            </a:r>
-            <a:r>
-              <a:rPr lang="ko-KR" altLang="en-US" sz="1200" dirty="0">
-                <a:latin typeface="배달의민족 주아" panose="02020603020101020101" pitchFamily="18" charset="-127"/>
-                <a:ea typeface="배달의민족 주아" panose="02020603020101020101" pitchFamily="18" charset="-127"/>
-              </a:rPr>
-              <a:t> </a:t>
-            </a:r>
-            <a:r>
-              <a:rPr lang="ko-KR" altLang="en-US" sz="1200" dirty="0" err="1">
-                <a:latin typeface="배달의민족 주아" panose="02020603020101020101" pitchFamily="18" charset="-127"/>
-                <a:ea typeface="배달의민족 주아" panose="02020603020101020101" pitchFamily="18" charset="-127"/>
-              </a:rPr>
-              <a:t>on-demand</a:t>
-            </a:r>
-            <a:r>
-              <a:rPr lang="ko-KR" altLang="en-US" sz="1200" dirty="0">
-                <a:latin typeface="배달의민족 주아" panose="02020603020101020101" pitchFamily="18" charset="-127"/>
-                <a:ea typeface="배달의민족 주아" panose="02020603020101020101" pitchFamily="18" charset="-127"/>
-              </a:rPr>
-              <a:t> </a:t>
-            </a:r>
-            <a:r>
-              <a:rPr lang="ko-KR" altLang="en-US" sz="1200" dirty="0" err="1">
-                <a:latin typeface="배달의민족 주아" panose="02020603020101020101" pitchFamily="18" charset="-127"/>
-                <a:ea typeface="배달의민족 주아" panose="02020603020101020101" pitchFamily="18" charset="-127"/>
-              </a:rPr>
-              <a:t>drug</a:t>
-            </a:r>
-            <a:r>
-              <a:rPr lang="ko-KR" altLang="en-US" sz="1200" dirty="0">
-                <a:latin typeface="배달의민족 주아" panose="02020603020101020101" pitchFamily="18" charset="-127"/>
-                <a:ea typeface="배달의민족 주아" panose="02020603020101020101" pitchFamily="18" charset="-127"/>
-              </a:rPr>
-              <a:t> </a:t>
-            </a:r>
-            <a:r>
-              <a:rPr lang="ko-KR" altLang="en-US" sz="1200" dirty="0" err="1">
-                <a:latin typeface="배달의민족 주아" panose="02020603020101020101" pitchFamily="18" charset="-127"/>
-                <a:ea typeface="배달의민족 주아" panose="02020603020101020101" pitchFamily="18" charset="-127"/>
-              </a:rPr>
-              <a:t>deliveryspace</a:t>
-            </a:r>
-            <a:r>
-              <a:rPr lang="ko-KR" altLang="en-US" sz="1200" dirty="0">
-                <a:latin typeface="배달의민족 주아" panose="02020603020101020101" pitchFamily="18" charset="-127"/>
-                <a:ea typeface="배달의민족 주아" panose="02020603020101020101" pitchFamily="18" charset="-127"/>
-              </a:rPr>
-              <a:t>, </a:t>
-            </a:r>
-            <a:r>
-              <a:rPr lang="ko-KR" altLang="en-US" sz="1200" dirty="0" err="1">
-                <a:latin typeface="배달의민족 주아" panose="02020603020101020101" pitchFamily="18" charset="-127"/>
-                <a:ea typeface="배달의민족 주아" panose="02020603020101020101" pitchFamily="18" charset="-127"/>
-              </a:rPr>
-              <a:t>Walgreens</a:t>
-            </a:r>
-            <a:r>
-              <a:rPr lang="ko-KR" altLang="en-US" sz="1200" dirty="0">
-                <a:latin typeface="배달의민족 주아" panose="02020603020101020101" pitchFamily="18" charset="-127"/>
-                <a:ea typeface="배달의민족 주아" panose="02020603020101020101" pitchFamily="18" charset="-127"/>
-              </a:rPr>
-              <a:t>' </a:t>
-            </a:r>
-            <a:r>
-              <a:rPr lang="ko-KR" altLang="en-US" sz="1200" dirty="0" err="1">
-                <a:latin typeface="배달의민족 주아" panose="02020603020101020101" pitchFamily="18" charset="-127"/>
-                <a:ea typeface="배달의민족 주아" panose="02020603020101020101" pitchFamily="18" charset="-127"/>
-              </a:rPr>
-              <a:t>move</a:t>
-            </a:r>
-            <a:r>
-              <a:rPr lang="ko-KR" altLang="en-US" sz="1200" dirty="0">
-                <a:latin typeface="배달의민족 주아" panose="02020603020101020101" pitchFamily="18" charset="-127"/>
-                <a:ea typeface="배달의민족 주아" panose="02020603020101020101" pitchFamily="18" charset="-127"/>
-              </a:rPr>
-              <a:t> </a:t>
-            </a:r>
-            <a:r>
-              <a:rPr lang="ko-KR" altLang="en-US" sz="1200" dirty="0" err="1">
-                <a:latin typeface="배달의민족 주아" panose="02020603020101020101" pitchFamily="18" charset="-127"/>
-                <a:ea typeface="배달의민족 주아" panose="02020603020101020101" pitchFamily="18" charset="-127"/>
-              </a:rPr>
-              <a:t>could</a:t>
-            </a:r>
-            <a:r>
-              <a:rPr lang="ko-KR" altLang="en-US" sz="1200" dirty="0">
-                <a:latin typeface="배달의민족 주아" panose="02020603020101020101" pitchFamily="18" charset="-127"/>
-                <a:ea typeface="배달의민족 주아" panose="02020603020101020101" pitchFamily="18" charset="-127"/>
-              </a:rPr>
-              <a:t> </a:t>
-            </a:r>
-            <a:r>
-              <a:rPr lang="ko-KR" altLang="en-US" sz="1200" dirty="0" err="1">
-                <a:latin typeface="배달의민족 주아" panose="02020603020101020101" pitchFamily="18" charset="-127"/>
-                <a:ea typeface="배달의민족 주아" panose="02020603020101020101" pitchFamily="18" charset="-127"/>
-              </a:rPr>
-              <a:t>potentially</a:t>
-            </a:r>
-            <a:r>
-              <a:rPr lang="ko-KR" altLang="en-US" sz="1200" dirty="0">
-                <a:latin typeface="배달의민족 주아" panose="02020603020101020101" pitchFamily="18" charset="-127"/>
-                <a:ea typeface="배달의민족 주아" panose="02020603020101020101" pitchFamily="18" charset="-127"/>
-              </a:rPr>
-              <a:t> </a:t>
-            </a:r>
-            <a:r>
-              <a:rPr lang="ko-KR" altLang="en-US" sz="1200" dirty="0" err="1">
-                <a:latin typeface="배달의민족 주아" panose="02020603020101020101" pitchFamily="18" charset="-127"/>
-                <a:ea typeface="배달의민족 주아" panose="02020603020101020101" pitchFamily="18" charset="-127"/>
-              </a:rPr>
-              <a:t>put</a:t>
-            </a:r>
-            <a:r>
-              <a:rPr lang="ko-KR" altLang="en-US" sz="1200" dirty="0">
-                <a:latin typeface="배달의민족 주아" panose="02020603020101020101" pitchFamily="18" charset="-127"/>
-                <a:ea typeface="배달의민족 주아" panose="02020603020101020101" pitchFamily="18" charset="-127"/>
-              </a:rPr>
-              <a:t> </a:t>
-            </a:r>
-            <a:r>
-              <a:rPr lang="ko-KR" altLang="en-US" sz="1200" dirty="0" err="1">
-                <a:latin typeface="배달의민족 주아" panose="02020603020101020101" pitchFamily="18" charset="-127"/>
-                <a:ea typeface="배달의민족 주아" panose="02020603020101020101" pitchFamily="18" charset="-127"/>
-              </a:rPr>
-              <a:t>it</a:t>
-            </a:r>
-            <a:r>
-              <a:rPr lang="ko-KR" altLang="en-US" sz="1200" dirty="0">
-                <a:latin typeface="배달의민족 주아" panose="02020603020101020101" pitchFamily="18" charset="-127"/>
-                <a:ea typeface="배달의민족 주아" panose="02020603020101020101" pitchFamily="18" charset="-127"/>
-              </a:rPr>
-              <a:t> </a:t>
-            </a:r>
-            <a:r>
-              <a:rPr lang="ko-KR" altLang="en-US" sz="1200" dirty="0" err="1">
-                <a:latin typeface="배달의민족 주아" panose="02020603020101020101" pitchFamily="18" charset="-127"/>
-                <a:ea typeface="배달의민족 주아" panose="02020603020101020101" pitchFamily="18" charset="-127"/>
-              </a:rPr>
-              <a:t>head-to-headwith</a:t>
-            </a:r>
-            <a:r>
-              <a:rPr lang="ko-KR" altLang="en-US" sz="1200" dirty="0">
-                <a:latin typeface="배달의민족 주아" panose="02020603020101020101" pitchFamily="18" charset="-127"/>
-                <a:ea typeface="배달의민족 주아" panose="02020603020101020101" pitchFamily="18" charset="-127"/>
-              </a:rPr>
-              <a:t> Amazon.com Inc (AMZN), </a:t>
-            </a:r>
-            <a:r>
-              <a:rPr lang="ko-KR" altLang="en-US" sz="1200" dirty="0" err="1">
-                <a:latin typeface="배달의민족 주아" panose="02020603020101020101" pitchFamily="18" charset="-127"/>
-                <a:ea typeface="배달의민족 주아" panose="02020603020101020101" pitchFamily="18" charset="-127"/>
-              </a:rPr>
-              <a:t>which</a:t>
-            </a:r>
-            <a:r>
-              <a:rPr lang="ko-KR" altLang="en-US" sz="1200" dirty="0">
-                <a:latin typeface="배달의민족 주아" panose="02020603020101020101" pitchFamily="18" charset="-127"/>
-                <a:ea typeface="배달의민족 주아" panose="02020603020101020101" pitchFamily="18" charset="-127"/>
-              </a:rPr>
-              <a:t> </a:t>
-            </a:r>
-            <a:r>
-              <a:rPr lang="ko-KR" altLang="en-US" sz="1200" dirty="0" err="1">
-                <a:latin typeface="배달의민족 주아" panose="02020603020101020101" pitchFamily="18" charset="-127"/>
-                <a:ea typeface="배달의민족 주아" panose="02020603020101020101" pitchFamily="18" charset="-127"/>
-              </a:rPr>
-              <a:t>earlier</a:t>
-            </a:r>
-            <a:r>
-              <a:rPr lang="ko-KR" altLang="en-US" sz="1200" dirty="0">
-                <a:latin typeface="배달의민족 주아" panose="02020603020101020101" pitchFamily="18" charset="-127"/>
-                <a:ea typeface="배달의민족 주아" panose="02020603020101020101" pitchFamily="18" charset="-127"/>
-              </a:rPr>
-              <a:t> </a:t>
-            </a:r>
-            <a:r>
-              <a:rPr lang="ko-KR" altLang="en-US" sz="1200" dirty="0" err="1">
-                <a:latin typeface="배달의민족 주아" panose="02020603020101020101" pitchFamily="18" charset="-127"/>
-                <a:ea typeface="배달의민족 주아" panose="02020603020101020101" pitchFamily="18" charset="-127"/>
-              </a:rPr>
-              <a:t>this</a:t>
-            </a:r>
-            <a:r>
-              <a:rPr lang="ko-KR" altLang="en-US" sz="1200" dirty="0">
-                <a:latin typeface="배달의민족 주아" panose="02020603020101020101" pitchFamily="18" charset="-127"/>
-                <a:ea typeface="배달의민족 주아" panose="02020603020101020101" pitchFamily="18" charset="-127"/>
-              </a:rPr>
-              <a:t> </a:t>
-            </a:r>
-            <a:r>
-              <a:rPr lang="ko-KR" altLang="en-US" sz="1200" dirty="0" err="1">
-                <a:latin typeface="배달의민족 주아" panose="02020603020101020101" pitchFamily="18" charset="-127"/>
-                <a:ea typeface="배달의민족 주아" panose="02020603020101020101" pitchFamily="18" charset="-127"/>
-              </a:rPr>
-              <a:t>year</a:t>
-            </a:r>
-            <a:r>
-              <a:rPr lang="ko-KR" altLang="en-US" sz="1200" dirty="0">
-                <a:latin typeface="배달의민족 주아" panose="02020603020101020101" pitchFamily="18" charset="-127"/>
-                <a:ea typeface="배달의민족 주아" panose="02020603020101020101" pitchFamily="18" charset="-127"/>
-              </a:rPr>
-              <a:t> </a:t>
-            </a:r>
-            <a:r>
-              <a:rPr lang="ko-KR" altLang="en-US" sz="1200" dirty="0" err="1">
-                <a:latin typeface="배달의민족 주아" panose="02020603020101020101" pitchFamily="18" charset="-127"/>
-                <a:ea typeface="배달의민족 주아" panose="02020603020101020101" pitchFamily="18" charset="-127"/>
-              </a:rPr>
-              <a:t>said</a:t>
-            </a:r>
-            <a:r>
-              <a:rPr lang="ko-KR" altLang="en-US" sz="1200" dirty="0">
-                <a:latin typeface="배달의민족 주아" panose="02020603020101020101" pitchFamily="18" charset="-127"/>
-                <a:ea typeface="배달의민족 주아" panose="02020603020101020101" pitchFamily="18" charset="-127"/>
-              </a:rPr>
-              <a:t> </a:t>
-            </a:r>
-            <a:r>
-              <a:rPr lang="ko-KR" altLang="en-US" sz="1200" dirty="0" err="1">
-                <a:latin typeface="배달의민족 주아" panose="02020603020101020101" pitchFamily="18" charset="-127"/>
-                <a:ea typeface="배달의민족 주아" panose="02020603020101020101" pitchFamily="18" charset="-127"/>
-              </a:rPr>
-              <a:t>itwould</a:t>
-            </a:r>
-            <a:r>
-              <a:rPr lang="ko-KR" altLang="en-US" sz="1200" dirty="0">
-                <a:latin typeface="배달의민족 주아" panose="02020603020101020101" pitchFamily="18" charset="-127"/>
-                <a:ea typeface="배달의민족 주아" panose="02020603020101020101" pitchFamily="18" charset="-127"/>
-              </a:rPr>
-              <a:t> </a:t>
-            </a:r>
-            <a:r>
-              <a:rPr lang="ko-KR" altLang="en-US" sz="1200" dirty="0" err="1">
-                <a:latin typeface="배달의민족 주아" panose="02020603020101020101" pitchFamily="18" charset="-127"/>
-                <a:ea typeface="배달의민족 주아" panose="02020603020101020101" pitchFamily="18" charset="-127"/>
-              </a:rPr>
-              <a:t>buy</a:t>
-            </a:r>
-            <a:r>
-              <a:rPr lang="ko-KR" altLang="en-US" sz="1200" dirty="0">
-                <a:latin typeface="배달의민족 주아" panose="02020603020101020101" pitchFamily="18" charset="-127"/>
-                <a:ea typeface="배달의민족 주아" panose="02020603020101020101" pitchFamily="18" charset="-127"/>
-              </a:rPr>
-              <a:t> </a:t>
-            </a:r>
-            <a:r>
-              <a:rPr lang="ko-KR" altLang="en-US" sz="1200" dirty="0" err="1">
-                <a:latin typeface="배달의민족 주아" panose="02020603020101020101" pitchFamily="18" charset="-127"/>
-                <a:ea typeface="배달의민족 주아" panose="02020603020101020101" pitchFamily="18" charset="-127"/>
-              </a:rPr>
-              <a:t>online</a:t>
-            </a:r>
-            <a:r>
-              <a:rPr lang="ko-KR" altLang="en-US" sz="1200" dirty="0">
-                <a:latin typeface="배달의민족 주아" panose="02020603020101020101" pitchFamily="18" charset="-127"/>
-                <a:ea typeface="배달의민족 주아" panose="02020603020101020101" pitchFamily="18" charset="-127"/>
-              </a:rPr>
-              <a:t> </a:t>
-            </a:r>
-            <a:r>
-              <a:rPr lang="ko-KR" altLang="en-US" sz="1200" dirty="0" err="1">
-                <a:latin typeface="배달의민족 주아" panose="02020603020101020101" pitchFamily="18" charset="-127"/>
-                <a:ea typeface="배달의민족 주아" panose="02020603020101020101" pitchFamily="18" charset="-127"/>
-              </a:rPr>
-              <a:t>pharmacy</a:t>
-            </a:r>
-            <a:r>
-              <a:rPr lang="ko-KR" altLang="en-US" sz="1200" dirty="0">
-                <a:latin typeface="배달의민족 주아" panose="02020603020101020101" pitchFamily="18" charset="-127"/>
-                <a:ea typeface="배달의민족 주아" panose="02020603020101020101" pitchFamily="18" charset="-127"/>
-              </a:rPr>
-              <a:t> </a:t>
-            </a:r>
-            <a:r>
-              <a:rPr lang="ko-KR" altLang="en-US" sz="1200" dirty="0" err="1">
-                <a:latin typeface="배달의민족 주아" panose="02020603020101020101" pitchFamily="18" charset="-127"/>
-                <a:ea typeface="배달의민족 주아" panose="02020603020101020101" pitchFamily="18" charset="-127"/>
-              </a:rPr>
-              <a:t>PillPack.Amazon's</a:t>
-            </a:r>
-            <a:r>
-              <a:rPr lang="ko-KR" altLang="en-US" sz="1200" dirty="0">
-                <a:latin typeface="배달의민족 주아" panose="02020603020101020101" pitchFamily="18" charset="-127"/>
-                <a:ea typeface="배달의민족 주아" panose="02020603020101020101" pitchFamily="18" charset="-127"/>
-              </a:rPr>
-              <a:t> (AMZN) </a:t>
-            </a:r>
-            <a:r>
-              <a:rPr lang="ko-KR" altLang="en-US" sz="1200" dirty="0" err="1">
-                <a:latin typeface="배달의민족 주아" panose="02020603020101020101" pitchFamily="18" charset="-127"/>
-                <a:ea typeface="배달의민족 주아" panose="02020603020101020101" pitchFamily="18" charset="-127"/>
-              </a:rPr>
-              <a:t>entry</a:t>
-            </a:r>
-            <a:r>
-              <a:rPr lang="ko-KR" altLang="en-US" sz="1200" dirty="0">
-                <a:latin typeface="배달의민족 주아" panose="02020603020101020101" pitchFamily="18" charset="-127"/>
-                <a:ea typeface="배달의민족 주아" panose="02020603020101020101" pitchFamily="18" charset="-127"/>
-              </a:rPr>
-              <a:t> </a:t>
-            </a:r>
-            <a:r>
-              <a:rPr lang="ko-KR" altLang="en-US" sz="1200" dirty="0" err="1">
-                <a:latin typeface="배달의민족 주아" panose="02020603020101020101" pitchFamily="18" charset="-127"/>
-                <a:ea typeface="배달의민족 주아" panose="02020603020101020101" pitchFamily="18" charset="-127"/>
-              </a:rPr>
-              <a:t>in</a:t>
-            </a:r>
-            <a:r>
-              <a:rPr lang="ko-KR" altLang="en-US" sz="1200" dirty="0">
-                <a:latin typeface="배달의민족 주아" panose="02020603020101020101" pitchFamily="18" charset="-127"/>
-                <a:ea typeface="배달의민족 주아" panose="02020603020101020101" pitchFamily="18" charset="-127"/>
-              </a:rPr>
-              <a:t> </a:t>
-            </a:r>
-            <a:r>
-              <a:rPr lang="ko-KR" altLang="en-US" sz="1200" dirty="0" err="1">
-                <a:latin typeface="배달의민족 주아" panose="02020603020101020101" pitchFamily="18" charset="-127"/>
-                <a:ea typeface="배달의민족 주아" panose="02020603020101020101" pitchFamily="18" charset="-127"/>
-              </a:rPr>
-              <a:t>the</a:t>
-            </a:r>
-            <a:r>
-              <a:rPr lang="ko-KR" altLang="en-US" sz="1200" dirty="0">
-                <a:latin typeface="배달의민족 주아" panose="02020603020101020101" pitchFamily="18" charset="-127"/>
-                <a:ea typeface="배달의민족 주아" panose="02020603020101020101" pitchFamily="18" charset="-127"/>
-              </a:rPr>
-              <a:t> </a:t>
-            </a:r>
-            <a:r>
-              <a:rPr lang="ko-KR" altLang="en-US" sz="1200" dirty="0" err="1">
-                <a:latin typeface="배달의민족 주아" panose="02020603020101020101" pitchFamily="18" charset="-127"/>
-                <a:ea typeface="배달의민족 주아" panose="02020603020101020101" pitchFamily="18" charset="-127"/>
-              </a:rPr>
-              <a:t>market</a:t>
-            </a:r>
-            <a:r>
-              <a:rPr lang="ko-KR" altLang="en-US" sz="1200" dirty="0">
-                <a:latin typeface="배달의민족 주아" panose="02020603020101020101" pitchFamily="18" charset="-127"/>
-                <a:ea typeface="배달의민족 주아" panose="02020603020101020101" pitchFamily="18" charset="-127"/>
-              </a:rPr>
-              <a:t> </a:t>
-            </a:r>
-            <a:r>
-              <a:rPr lang="ko-KR" altLang="en-US" sz="1200" dirty="0" err="1">
-                <a:latin typeface="배달의민족 주아" panose="02020603020101020101" pitchFamily="18" charset="-127"/>
-                <a:ea typeface="배달의민족 주아" panose="02020603020101020101" pitchFamily="18" charset="-127"/>
-              </a:rPr>
-              <a:t>would</a:t>
-            </a:r>
-            <a:r>
-              <a:rPr lang="ko-KR" altLang="en-US" sz="1200" dirty="0">
-                <a:latin typeface="배달의민족 주아" panose="02020603020101020101" pitchFamily="18" charset="-127"/>
-                <a:ea typeface="배달의민족 주아" panose="02020603020101020101" pitchFamily="18" charset="-127"/>
-              </a:rPr>
-              <a:t> </a:t>
-            </a:r>
-            <a:r>
-              <a:rPr lang="ko-KR" altLang="en-US" sz="1200" dirty="0" err="1">
-                <a:latin typeface="배달의민족 주아" panose="02020603020101020101" pitchFamily="18" charset="-127"/>
-                <a:ea typeface="배달의민족 주아" panose="02020603020101020101" pitchFamily="18" charset="-127"/>
-              </a:rPr>
-              <a:t>rattle</a:t>
-            </a:r>
-            <a:r>
-              <a:rPr lang="ko-KR" altLang="en-US" sz="1200" dirty="0">
-                <a:latin typeface="배달의민족 주아" panose="02020603020101020101" pitchFamily="18" charset="-127"/>
-                <a:ea typeface="배달의민족 주아" panose="02020603020101020101" pitchFamily="18" charset="-127"/>
-              </a:rPr>
-              <a:t> </a:t>
-            </a:r>
-            <a:r>
-              <a:rPr lang="ko-KR" altLang="en-US" sz="1200" dirty="0" err="1">
-                <a:latin typeface="배달의민족 주아" panose="02020603020101020101" pitchFamily="18" charset="-127"/>
-                <a:ea typeface="배달의민족 주아" panose="02020603020101020101" pitchFamily="18" charset="-127"/>
-              </a:rPr>
-              <a:t>traditional</a:t>
-            </a:r>
-            <a:r>
-              <a:rPr lang="ko-KR" altLang="en-US" sz="1200" dirty="0">
-                <a:latin typeface="배달의민족 주아" panose="02020603020101020101" pitchFamily="18" charset="-127"/>
-                <a:ea typeface="배달의민족 주아" panose="02020603020101020101" pitchFamily="18" charset="-127"/>
-              </a:rPr>
-              <a:t> </a:t>
-            </a:r>
-            <a:r>
-              <a:rPr lang="ko-KR" altLang="en-US" sz="1200" dirty="0" err="1">
-                <a:latin typeface="배달의민족 주아" panose="02020603020101020101" pitchFamily="18" charset="-127"/>
-                <a:ea typeface="배달의민족 주아" panose="02020603020101020101" pitchFamily="18" charset="-127"/>
-              </a:rPr>
-              <a:t>drugretailers</a:t>
-            </a:r>
-            <a:r>
-              <a:rPr lang="ko-KR" altLang="en-US" sz="1200" dirty="0">
-                <a:latin typeface="배달의민족 주아" panose="02020603020101020101" pitchFamily="18" charset="-127"/>
-                <a:ea typeface="배달의민족 주아" panose="02020603020101020101" pitchFamily="18" charset="-127"/>
-              </a:rPr>
-              <a:t> and </a:t>
-            </a:r>
-            <a:r>
-              <a:rPr lang="ko-KR" altLang="en-US" sz="1200" dirty="0" err="1">
-                <a:latin typeface="배달의민족 주아" panose="02020603020101020101" pitchFamily="18" charset="-127"/>
-                <a:ea typeface="배달의민족 주아" panose="02020603020101020101" pitchFamily="18" charset="-127"/>
-              </a:rPr>
-              <a:t>could</a:t>
-            </a:r>
-            <a:r>
-              <a:rPr lang="ko-KR" altLang="en-US" sz="1200" dirty="0">
-                <a:latin typeface="배달의민족 주아" panose="02020603020101020101" pitchFamily="18" charset="-127"/>
-                <a:ea typeface="배달의민족 주아" panose="02020603020101020101" pitchFamily="18" charset="-127"/>
-              </a:rPr>
-              <a:t> </a:t>
-            </a:r>
-            <a:r>
-              <a:rPr lang="ko-KR" altLang="en-US" sz="1200" dirty="0" err="1">
-                <a:latin typeface="배달의민족 주아" panose="02020603020101020101" pitchFamily="18" charset="-127"/>
-                <a:ea typeface="배달의민족 주아" panose="02020603020101020101" pitchFamily="18" charset="-127"/>
-              </a:rPr>
-              <a:t>potentially</a:t>
-            </a:r>
-            <a:r>
-              <a:rPr lang="ko-KR" altLang="en-US" sz="1200" dirty="0">
-                <a:latin typeface="배달의민족 주아" panose="02020603020101020101" pitchFamily="18" charset="-127"/>
-                <a:ea typeface="배달의민족 주아" panose="02020603020101020101" pitchFamily="18" charset="-127"/>
-              </a:rPr>
-              <a:t> </a:t>
-            </a:r>
-            <a:r>
-              <a:rPr lang="ko-KR" altLang="en-US" sz="1200" dirty="0" err="1">
-                <a:latin typeface="배달의민족 주아" panose="02020603020101020101" pitchFamily="18" charset="-127"/>
-                <a:ea typeface="배달의민족 주아" panose="02020603020101020101" pitchFamily="18" charset="-127"/>
-              </a:rPr>
-              <a:t>disrupt</a:t>
-            </a:r>
-            <a:r>
-              <a:rPr lang="ko-KR" altLang="en-US" sz="1200" dirty="0">
-                <a:latin typeface="배달의민족 주아" panose="02020603020101020101" pitchFamily="18" charset="-127"/>
-                <a:ea typeface="배달의민족 주아" panose="02020603020101020101" pitchFamily="18" charset="-127"/>
-              </a:rPr>
-              <a:t> </a:t>
-            </a:r>
-            <a:r>
-              <a:rPr lang="ko-KR" altLang="en-US" sz="1200" dirty="0" err="1">
-                <a:latin typeface="배달의민족 주아" panose="02020603020101020101" pitchFamily="18" charset="-127"/>
-                <a:ea typeface="배달의민족 주아" panose="02020603020101020101" pitchFamily="18" charset="-127"/>
-              </a:rPr>
-              <a:t>major</a:t>
-            </a:r>
-            <a:r>
-              <a:rPr lang="ko-KR" altLang="en-US" sz="1200" dirty="0">
-                <a:latin typeface="배달의민족 주아" panose="02020603020101020101" pitchFamily="18" charset="-127"/>
-                <a:ea typeface="배달의민족 주아" panose="02020603020101020101" pitchFamily="18" charset="-127"/>
-              </a:rPr>
-              <a:t> </a:t>
-            </a:r>
-            <a:r>
-              <a:rPr lang="ko-KR" altLang="en-US" sz="1200" dirty="0" err="1">
-                <a:latin typeface="배달의민족 주아" panose="02020603020101020101" pitchFamily="18" charset="-127"/>
-                <a:ea typeface="배달의민족 주아" panose="02020603020101020101" pitchFamily="18" charset="-127"/>
-              </a:rPr>
-              <a:t>players</a:t>
-            </a:r>
-            <a:r>
-              <a:rPr lang="ko-KR" altLang="en-US" sz="1200" dirty="0">
-                <a:latin typeface="배달의민족 주아" panose="02020603020101020101" pitchFamily="18" charset="-127"/>
-                <a:ea typeface="배달의민족 주아" panose="02020603020101020101" pitchFamily="18" charset="-127"/>
-              </a:rPr>
-              <a:t> </a:t>
-            </a:r>
-            <a:r>
-              <a:rPr lang="ko-KR" altLang="en-US" sz="1200" dirty="0" err="1">
-                <a:latin typeface="배달의민족 주아" panose="02020603020101020101" pitchFamily="18" charset="-127"/>
-                <a:ea typeface="배달의민족 주아" panose="02020603020101020101" pitchFamily="18" charset="-127"/>
-              </a:rPr>
-              <a:t>the</a:t>
-            </a:r>
-            <a:r>
-              <a:rPr lang="ko-KR" altLang="en-US" sz="1200" dirty="0">
-                <a:latin typeface="배달의민족 주아" panose="02020603020101020101" pitchFamily="18" charset="-127"/>
-                <a:ea typeface="배달의민족 주아" panose="02020603020101020101" pitchFamily="18" charset="-127"/>
-              </a:rPr>
-              <a:t> </a:t>
-            </a:r>
-            <a:r>
-              <a:rPr lang="ko-KR" altLang="en-US" sz="1200" dirty="0" err="1">
-                <a:latin typeface="배달의민족 주아" panose="02020603020101020101" pitchFamily="18" charset="-127"/>
-                <a:ea typeface="배달의민족 주아" panose="02020603020101020101" pitchFamily="18" charset="-127"/>
-              </a:rPr>
-              <a:t>U.S.drug</a:t>
-            </a:r>
-            <a:r>
-              <a:rPr lang="ko-KR" altLang="en-US" sz="1200" dirty="0">
-                <a:latin typeface="배달의민족 주아" panose="02020603020101020101" pitchFamily="18" charset="-127"/>
-                <a:ea typeface="배달의민족 주아" panose="02020603020101020101" pitchFamily="18" charset="-127"/>
-              </a:rPr>
-              <a:t> </a:t>
-            </a:r>
-            <a:r>
-              <a:rPr lang="ko-KR" altLang="en-US" sz="1200" dirty="0" err="1">
-                <a:latin typeface="배달의민족 주아" panose="02020603020101020101" pitchFamily="18" charset="-127"/>
-                <a:ea typeface="배달의민족 주아" panose="02020603020101020101" pitchFamily="18" charset="-127"/>
-              </a:rPr>
-              <a:t>supply</a:t>
-            </a:r>
-            <a:r>
-              <a:rPr lang="ko-KR" altLang="en-US" sz="1200" dirty="0">
-                <a:latin typeface="배달의민족 주아" panose="02020603020101020101" pitchFamily="18" charset="-127"/>
-                <a:ea typeface="배달의민족 주아" panose="02020603020101020101" pitchFamily="18" charset="-127"/>
-              </a:rPr>
-              <a:t> </a:t>
-            </a:r>
-            <a:r>
-              <a:rPr lang="ko-KR" altLang="en-US" sz="1200" dirty="0" err="1">
-                <a:latin typeface="배달의민족 주아" panose="02020603020101020101" pitchFamily="18" charset="-127"/>
-                <a:ea typeface="배달의민족 주아" panose="02020603020101020101" pitchFamily="18" charset="-127"/>
-              </a:rPr>
-              <a:t>chain.Rival</a:t>
-            </a:r>
-            <a:r>
-              <a:rPr lang="ko-KR" altLang="en-US" sz="1200" dirty="0">
-                <a:latin typeface="배달의민족 주아" panose="02020603020101020101" pitchFamily="18" charset="-127"/>
-                <a:ea typeface="배달의민족 주아" panose="02020603020101020101" pitchFamily="18" charset="-127"/>
-              </a:rPr>
-              <a:t> CVS Health Corp (CVS) </a:t>
-            </a:r>
-            <a:r>
-              <a:rPr lang="ko-KR" altLang="en-US" sz="1200" dirty="0" err="1">
-                <a:latin typeface="배달의민족 주아" panose="02020603020101020101" pitchFamily="18" charset="-127"/>
-                <a:ea typeface="배달의민족 주아" panose="02020603020101020101" pitchFamily="18" charset="-127"/>
-              </a:rPr>
-              <a:t>launched</a:t>
-            </a:r>
-            <a:r>
-              <a:rPr lang="ko-KR" altLang="en-US" sz="1200" dirty="0">
-                <a:latin typeface="배달의민족 주아" panose="02020603020101020101" pitchFamily="18" charset="-127"/>
-                <a:ea typeface="배달의민족 주아" panose="02020603020101020101" pitchFamily="18" charset="-127"/>
-              </a:rPr>
-              <a:t> </a:t>
-            </a:r>
-            <a:r>
-              <a:rPr lang="ko-KR" altLang="en-US" sz="1200" dirty="0" err="1">
-                <a:latin typeface="배달의민족 주아" panose="02020603020101020101" pitchFamily="18" charset="-127"/>
-                <a:ea typeface="배달의민족 주아" panose="02020603020101020101" pitchFamily="18" charset="-127"/>
-              </a:rPr>
-              <a:t>its</a:t>
-            </a:r>
-            <a:r>
-              <a:rPr lang="ko-KR" altLang="en-US" sz="1200" dirty="0">
-                <a:latin typeface="배달의민족 주아" panose="02020603020101020101" pitchFamily="18" charset="-127"/>
-                <a:ea typeface="배달의민족 주아" panose="02020603020101020101" pitchFamily="18" charset="-127"/>
-              </a:rPr>
-              <a:t> </a:t>
-            </a:r>
-            <a:r>
-              <a:rPr lang="ko-KR" altLang="en-US" sz="1200" dirty="0" err="1">
-                <a:latin typeface="배달의민족 주아" panose="02020603020101020101" pitchFamily="18" charset="-127"/>
-                <a:ea typeface="배달의민족 주아" panose="02020603020101020101" pitchFamily="18" charset="-127"/>
-              </a:rPr>
-              <a:t>own</a:t>
-            </a:r>
-            <a:r>
-              <a:rPr lang="ko-KR" altLang="en-US" sz="1200" dirty="0">
-                <a:latin typeface="배달의민족 주아" panose="02020603020101020101" pitchFamily="18" charset="-127"/>
-                <a:ea typeface="배달의민족 주아" panose="02020603020101020101" pitchFamily="18" charset="-127"/>
-              </a:rPr>
-              <a:t> </a:t>
-            </a:r>
-            <a:r>
-              <a:rPr lang="ko-KR" altLang="en-US" sz="1200" dirty="0" err="1">
-                <a:latin typeface="배달의민족 주아" panose="02020603020101020101" pitchFamily="18" charset="-127"/>
-                <a:ea typeface="배달의민족 주아" panose="02020603020101020101" pitchFamily="18" charset="-127"/>
-              </a:rPr>
-              <a:t>next-daydelivery</a:t>
-            </a:r>
-            <a:r>
-              <a:rPr lang="ko-KR" altLang="en-US" sz="1200" dirty="0">
-                <a:latin typeface="배달의민족 주아" panose="02020603020101020101" pitchFamily="18" charset="-127"/>
-                <a:ea typeface="배달의민족 주아" panose="02020603020101020101" pitchFamily="18" charset="-127"/>
-              </a:rPr>
-              <a:t> </a:t>
-            </a:r>
-            <a:r>
-              <a:rPr lang="ko-KR" altLang="en-US" sz="1200" dirty="0" err="1">
-                <a:latin typeface="배달의민족 주아" panose="02020603020101020101" pitchFamily="18" charset="-127"/>
-                <a:ea typeface="배달의민족 주아" panose="02020603020101020101" pitchFamily="18" charset="-127"/>
-              </a:rPr>
-              <a:t>service</a:t>
-            </a:r>
-            <a:r>
-              <a:rPr lang="ko-KR" altLang="en-US" sz="1200" dirty="0">
-                <a:latin typeface="배달의민족 주아" panose="02020603020101020101" pitchFamily="18" charset="-127"/>
-                <a:ea typeface="배달의민족 주아" panose="02020603020101020101" pitchFamily="18" charset="-127"/>
-              </a:rPr>
-              <a:t> </a:t>
-            </a:r>
-            <a:r>
-              <a:rPr lang="ko-KR" altLang="en-US" sz="1200" dirty="0" err="1">
-                <a:latin typeface="배달의민족 주아" panose="02020603020101020101" pitchFamily="18" charset="-127"/>
-                <a:ea typeface="배달의민족 주아" panose="02020603020101020101" pitchFamily="18" charset="-127"/>
-              </a:rPr>
-              <a:t>earlier</a:t>
-            </a:r>
-            <a:r>
-              <a:rPr lang="ko-KR" altLang="en-US" sz="1200" dirty="0">
-                <a:latin typeface="배달의민족 주아" panose="02020603020101020101" pitchFamily="18" charset="-127"/>
-                <a:ea typeface="배달의민족 주아" panose="02020603020101020101" pitchFamily="18" charset="-127"/>
-              </a:rPr>
-              <a:t> </a:t>
-            </a:r>
-            <a:r>
-              <a:rPr lang="ko-KR" altLang="en-US" sz="1200" dirty="0" err="1">
-                <a:latin typeface="배달의민족 주아" panose="02020603020101020101" pitchFamily="18" charset="-127"/>
-                <a:ea typeface="배달의민족 주아" panose="02020603020101020101" pitchFamily="18" charset="-127"/>
-              </a:rPr>
-              <a:t>this</a:t>
-            </a:r>
-            <a:r>
-              <a:rPr lang="ko-KR" altLang="en-US" sz="1200" dirty="0">
-                <a:latin typeface="배달의민족 주아" panose="02020603020101020101" pitchFamily="18" charset="-127"/>
-                <a:ea typeface="배달의민족 주아" panose="02020603020101020101" pitchFamily="18" charset="-127"/>
-              </a:rPr>
-              <a:t> </a:t>
-            </a:r>
-            <a:r>
-              <a:rPr lang="ko-KR" altLang="en-US" sz="1200" dirty="0" err="1">
-                <a:latin typeface="배달의민족 주아" panose="02020603020101020101" pitchFamily="18" charset="-127"/>
-                <a:ea typeface="배달의민족 주아" panose="02020603020101020101" pitchFamily="18" charset="-127"/>
-              </a:rPr>
-              <a:t>year.Walgreens</a:t>
-            </a:r>
-            <a:r>
-              <a:rPr lang="ko-KR" altLang="en-US" sz="1200" dirty="0">
-                <a:latin typeface="배달의민족 주아" panose="02020603020101020101" pitchFamily="18" charset="-127"/>
-                <a:ea typeface="배달의민족 주아" panose="02020603020101020101" pitchFamily="18" charset="-127"/>
-              </a:rPr>
-              <a:t> </a:t>
-            </a:r>
-            <a:r>
-              <a:rPr lang="ko-KR" altLang="en-US" sz="1200" dirty="0" err="1">
-                <a:latin typeface="배달의민족 주아" panose="02020603020101020101" pitchFamily="18" charset="-127"/>
-                <a:ea typeface="배달의민족 주아" panose="02020603020101020101" pitchFamily="18" charset="-127"/>
-              </a:rPr>
-              <a:t>said</a:t>
-            </a:r>
-            <a:r>
-              <a:rPr lang="ko-KR" altLang="en-US" sz="1200" dirty="0">
-                <a:latin typeface="배달의민족 주아" panose="02020603020101020101" pitchFamily="18" charset="-127"/>
-                <a:ea typeface="배달의민족 주아" panose="02020603020101020101" pitchFamily="18" charset="-127"/>
-              </a:rPr>
-              <a:t> </a:t>
-            </a:r>
-            <a:r>
-              <a:rPr lang="ko-KR" altLang="en-US" sz="1200" dirty="0" err="1">
-                <a:latin typeface="배달의민족 주아" panose="02020603020101020101" pitchFamily="18" charset="-127"/>
-                <a:ea typeface="배달의민족 주아" panose="02020603020101020101" pitchFamily="18" charset="-127"/>
-              </a:rPr>
-              <a:t>patients</a:t>
-            </a:r>
-            <a:r>
-              <a:rPr lang="ko-KR" altLang="en-US" sz="1200" dirty="0">
-                <a:latin typeface="배달의민족 주아" panose="02020603020101020101" pitchFamily="18" charset="-127"/>
-                <a:ea typeface="배달의민족 주아" panose="02020603020101020101" pitchFamily="18" charset="-127"/>
-              </a:rPr>
-              <a:t> </a:t>
-            </a:r>
-            <a:r>
-              <a:rPr lang="ko-KR" altLang="en-US" sz="1200" dirty="0" err="1">
-                <a:latin typeface="배달의민족 주아" panose="02020603020101020101" pitchFamily="18" charset="-127"/>
-                <a:ea typeface="배달의민족 주아" panose="02020603020101020101" pitchFamily="18" charset="-127"/>
-              </a:rPr>
-              <a:t>can</a:t>
-            </a:r>
-            <a:r>
-              <a:rPr lang="ko-KR" altLang="en-US" sz="1200" dirty="0">
-                <a:latin typeface="배달의민족 주아" panose="02020603020101020101" pitchFamily="18" charset="-127"/>
-                <a:ea typeface="배달의민족 주아" panose="02020603020101020101" pitchFamily="18" charset="-127"/>
-              </a:rPr>
-              <a:t> </a:t>
-            </a:r>
-            <a:r>
-              <a:rPr lang="ko-KR" altLang="en-US" sz="1200" dirty="0" err="1">
-                <a:latin typeface="배달의민족 주아" panose="02020603020101020101" pitchFamily="18" charset="-127"/>
-                <a:ea typeface="배달의민족 주아" panose="02020603020101020101" pitchFamily="18" charset="-127"/>
-              </a:rPr>
-              <a:t>have</a:t>
-            </a:r>
-            <a:r>
-              <a:rPr lang="ko-KR" altLang="en-US" sz="1200" dirty="0">
-                <a:latin typeface="배달의민족 주아" panose="02020603020101020101" pitchFamily="18" charset="-127"/>
-                <a:ea typeface="배달의민족 주아" panose="02020603020101020101" pitchFamily="18" charset="-127"/>
-              </a:rPr>
-              <a:t> </a:t>
-            </a:r>
-            <a:r>
-              <a:rPr lang="ko-KR" altLang="en-US" sz="1200" dirty="0" err="1">
-                <a:latin typeface="배달의민족 주아" panose="02020603020101020101" pitchFamily="18" charset="-127"/>
-                <a:ea typeface="배달의민족 주아" panose="02020603020101020101" pitchFamily="18" charset="-127"/>
-              </a:rPr>
-              <a:t>qualifying</a:t>
-            </a:r>
-            <a:r>
-              <a:rPr lang="ko-KR" altLang="en-US" sz="1200" dirty="0">
-                <a:latin typeface="배달의민족 주아" panose="02020603020101020101" pitchFamily="18" charset="-127"/>
-                <a:ea typeface="배달의민족 주아" panose="02020603020101020101" pitchFamily="18" charset="-127"/>
-              </a:rPr>
-              <a:t> </a:t>
-            </a:r>
-            <a:r>
-              <a:rPr lang="ko-KR" altLang="en-US" sz="1200" dirty="0" err="1">
-                <a:latin typeface="배달의민족 주아" panose="02020603020101020101" pitchFamily="18" charset="-127"/>
-                <a:ea typeface="배달의민족 주아" panose="02020603020101020101" pitchFamily="18" charset="-127"/>
-              </a:rPr>
-              <a:t>prescriptionsdelivered</a:t>
-            </a:r>
-            <a:r>
-              <a:rPr lang="ko-KR" altLang="en-US" sz="1200" dirty="0">
-                <a:latin typeface="배달의민족 주아" panose="02020603020101020101" pitchFamily="18" charset="-127"/>
-                <a:ea typeface="배달의민족 주아" panose="02020603020101020101" pitchFamily="18" charset="-127"/>
-              </a:rPr>
-              <a:t> </a:t>
-            </a:r>
-            <a:r>
-              <a:rPr lang="ko-KR" altLang="en-US" sz="1200" dirty="0" err="1">
-                <a:latin typeface="배달의민족 주아" panose="02020603020101020101" pitchFamily="18" charset="-127"/>
-                <a:ea typeface="배달의민족 주아" panose="02020603020101020101" pitchFamily="18" charset="-127"/>
-              </a:rPr>
-              <a:t>to</a:t>
-            </a:r>
-            <a:r>
-              <a:rPr lang="ko-KR" altLang="en-US" sz="1200" dirty="0">
-                <a:latin typeface="배달의민족 주아" panose="02020603020101020101" pitchFamily="18" charset="-127"/>
-                <a:ea typeface="배달의민족 주아" panose="02020603020101020101" pitchFamily="18" charset="-127"/>
-              </a:rPr>
-              <a:t> </a:t>
-            </a:r>
-            <a:r>
-              <a:rPr lang="ko-KR" altLang="en-US" sz="1200" dirty="0" err="1">
-                <a:latin typeface="배달의민족 주아" panose="02020603020101020101" pitchFamily="18" charset="-127"/>
-                <a:ea typeface="배달의민족 주아" panose="02020603020101020101" pitchFamily="18" charset="-127"/>
-              </a:rPr>
-              <a:t>their</a:t>
-            </a:r>
-            <a:r>
-              <a:rPr lang="ko-KR" altLang="en-US" sz="1200" dirty="0">
-                <a:latin typeface="배달의민족 주아" panose="02020603020101020101" pitchFamily="18" charset="-127"/>
-                <a:ea typeface="배달의민족 주아" panose="02020603020101020101" pitchFamily="18" charset="-127"/>
-              </a:rPr>
-              <a:t> </a:t>
-            </a:r>
-            <a:r>
-              <a:rPr lang="ko-KR" altLang="en-US" sz="1200" dirty="0" err="1">
-                <a:latin typeface="배달의민족 주아" panose="02020603020101020101" pitchFamily="18" charset="-127"/>
-                <a:ea typeface="배달의민족 주아" panose="02020603020101020101" pitchFamily="18" charset="-127"/>
-              </a:rPr>
-              <a:t>doorstep</a:t>
-            </a:r>
-            <a:r>
-              <a:rPr lang="ko-KR" altLang="en-US" sz="1200" dirty="0">
-                <a:latin typeface="배달의민족 주아" panose="02020603020101020101" pitchFamily="18" charset="-127"/>
-                <a:ea typeface="배달의민족 주아" panose="02020603020101020101" pitchFamily="18" charset="-127"/>
-              </a:rPr>
-              <a:t> </a:t>
-            </a:r>
-            <a:r>
-              <a:rPr lang="ko-KR" altLang="en-US" sz="1200" dirty="0" err="1">
-                <a:latin typeface="배달의민족 주아" panose="02020603020101020101" pitchFamily="18" charset="-127"/>
-                <a:ea typeface="배달의민족 주아" panose="02020603020101020101" pitchFamily="18" charset="-127"/>
-              </a:rPr>
-              <a:t>as</a:t>
-            </a:r>
-            <a:r>
-              <a:rPr lang="ko-KR" altLang="en-US" sz="1200" dirty="0">
-                <a:latin typeface="배달의민족 주아" panose="02020603020101020101" pitchFamily="18" charset="-127"/>
-                <a:ea typeface="배달의민족 주아" panose="02020603020101020101" pitchFamily="18" charset="-127"/>
-              </a:rPr>
-              <a:t> </a:t>
-            </a:r>
-            <a:r>
-              <a:rPr lang="ko-KR" altLang="en-US" sz="1200" dirty="0" err="1">
-                <a:latin typeface="배달의민족 주아" panose="02020603020101020101" pitchFamily="18" charset="-127"/>
-                <a:ea typeface="배달의민족 주아" panose="02020603020101020101" pitchFamily="18" charset="-127"/>
-              </a:rPr>
-              <a:t>early</a:t>
-            </a:r>
-            <a:r>
-              <a:rPr lang="ko-KR" altLang="en-US" sz="1200" dirty="0">
-                <a:latin typeface="배달의민족 주아" panose="02020603020101020101" pitchFamily="18" charset="-127"/>
-                <a:ea typeface="배달의민족 주아" panose="02020603020101020101" pitchFamily="18" charset="-127"/>
-              </a:rPr>
-              <a:t> </a:t>
-            </a:r>
-            <a:r>
-              <a:rPr lang="ko-KR" altLang="en-US" sz="1200" dirty="0" err="1">
-                <a:latin typeface="배달의민족 주아" panose="02020603020101020101" pitchFamily="18" charset="-127"/>
-                <a:ea typeface="배달의민족 주아" panose="02020603020101020101" pitchFamily="18" charset="-127"/>
-              </a:rPr>
-              <a:t>as</a:t>
-            </a:r>
-            <a:r>
-              <a:rPr lang="ko-KR" altLang="en-US" sz="1200" dirty="0">
-                <a:latin typeface="배달의민족 주아" panose="02020603020101020101" pitchFamily="18" charset="-127"/>
-                <a:ea typeface="배달의민족 주아" panose="02020603020101020101" pitchFamily="18" charset="-127"/>
-              </a:rPr>
-              <a:t> </a:t>
-            </a:r>
-            <a:r>
-              <a:rPr lang="ko-KR" altLang="en-US" sz="1200" dirty="0" err="1">
-                <a:latin typeface="배달의민족 주아" panose="02020603020101020101" pitchFamily="18" charset="-127"/>
-                <a:ea typeface="배달의민족 주아" panose="02020603020101020101" pitchFamily="18" charset="-127"/>
-              </a:rPr>
-              <a:t>the</a:t>
-            </a:r>
-            <a:r>
-              <a:rPr lang="ko-KR" altLang="en-US" sz="1200" dirty="0">
-                <a:latin typeface="배달의민족 주아" panose="02020603020101020101" pitchFamily="18" charset="-127"/>
-                <a:ea typeface="배달의민족 주아" panose="02020603020101020101" pitchFamily="18" charset="-127"/>
-              </a:rPr>
-              <a:t> </a:t>
-            </a:r>
-            <a:r>
-              <a:rPr lang="ko-KR" altLang="en-US" sz="1200" dirty="0" err="1">
-                <a:latin typeface="배달의민족 주아" panose="02020603020101020101" pitchFamily="18" charset="-127"/>
-                <a:ea typeface="배달의민족 주아" panose="02020603020101020101" pitchFamily="18" charset="-127"/>
-              </a:rPr>
-              <a:t>next</a:t>
-            </a:r>
-            <a:r>
-              <a:rPr lang="ko-KR" altLang="en-US" sz="1200" dirty="0">
-                <a:latin typeface="배달의민족 주아" panose="02020603020101020101" pitchFamily="18" charset="-127"/>
-                <a:ea typeface="배달의민족 주아" panose="02020603020101020101" pitchFamily="18" charset="-127"/>
-              </a:rPr>
-              <a:t> </a:t>
-            </a:r>
-            <a:r>
-              <a:rPr lang="ko-KR" altLang="en-US" sz="1200" dirty="0" err="1">
-                <a:latin typeface="배달의민족 주아" panose="02020603020101020101" pitchFamily="18" charset="-127"/>
-                <a:ea typeface="배달의민족 주아" panose="02020603020101020101" pitchFamily="18" charset="-127"/>
-              </a:rPr>
-              <a:t>day</a:t>
-            </a:r>
-            <a:r>
-              <a:rPr lang="ko-KR" altLang="en-US" sz="1200" dirty="0">
-                <a:latin typeface="배달의민족 주아" panose="02020603020101020101" pitchFamily="18" charset="-127"/>
-                <a:ea typeface="배달의민족 주아" panose="02020603020101020101" pitchFamily="18" charset="-127"/>
-              </a:rPr>
-              <a:t> </a:t>
-            </a:r>
-            <a:r>
-              <a:rPr lang="ko-KR" altLang="en-US" sz="1200" dirty="0" err="1">
-                <a:latin typeface="배달의민족 주아" panose="02020603020101020101" pitchFamily="18" charset="-127"/>
-                <a:ea typeface="배달의민족 주아" panose="02020603020101020101" pitchFamily="18" charset="-127"/>
-              </a:rPr>
-              <a:t>for</a:t>
-            </a:r>
-            <a:r>
-              <a:rPr lang="ko-KR" altLang="en-US" sz="1200" dirty="0">
-                <a:latin typeface="배달의민족 주아" panose="02020603020101020101" pitchFamily="18" charset="-127"/>
-                <a:ea typeface="배달의민족 주아" panose="02020603020101020101" pitchFamily="18" charset="-127"/>
-              </a:rPr>
-              <a:t> $4.99.Same-day </a:t>
-            </a:r>
-            <a:r>
-              <a:rPr lang="ko-KR" altLang="en-US" sz="1200" dirty="0" err="1">
-                <a:latin typeface="배달의민족 주아" panose="02020603020101020101" pitchFamily="18" charset="-127"/>
-                <a:ea typeface="배달의민족 주아" panose="02020603020101020101" pitchFamily="18" charset="-127"/>
-              </a:rPr>
-              <a:t>drug</a:t>
-            </a:r>
-            <a:r>
-              <a:rPr lang="ko-KR" altLang="en-US" sz="1200" dirty="0">
-                <a:latin typeface="배달의민족 주아" panose="02020603020101020101" pitchFamily="18" charset="-127"/>
-                <a:ea typeface="배달의민족 주아" panose="02020603020101020101" pitchFamily="18" charset="-127"/>
-              </a:rPr>
-              <a:t> </a:t>
-            </a:r>
-            <a:r>
-              <a:rPr lang="ko-KR" altLang="en-US" sz="1200" dirty="0" err="1">
-                <a:latin typeface="배달의민족 주아" panose="02020603020101020101" pitchFamily="18" charset="-127"/>
-                <a:ea typeface="배달의민족 주아" panose="02020603020101020101" pitchFamily="18" charset="-127"/>
-              </a:rPr>
-              <a:t>delivery</a:t>
-            </a:r>
-            <a:r>
-              <a:rPr lang="ko-KR" altLang="en-US" sz="1200" dirty="0">
-                <a:latin typeface="배달의민족 주아" panose="02020603020101020101" pitchFamily="18" charset="-127"/>
-                <a:ea typeface="배달의민족 주아" panose="02020603020101020101" pitchFamily="18" charset="-127"/>
-              </a:rPr>
-              <a:t> </a:t>
-            </a:r>
-            <a:r>
-              <a:rPr lang="ko-KR" altLang="en-US" sz="1200" dirty="0" err="1">
-                <a:latin typeface="배달의민족 주아" panose="02020603020101020101" pitchFamily="18" charset="-127"/>
-                <a:ea typeface="배달의민족 주아" panose="02020603020101020101" pitchFamily="18" charset="-127"/>
-              </a:rPr>
-              <a:t>is</a:t>
-            </a:r>
-            <a:r>
-              <a:rPr lang="ko-KR" altLang="en-US" sz="1200" dirty="0">
-                <a:latin typeface="배달의민족 주아" panose="02020603020101020101" pitchFamily="18" charset="-127"/>
-                <a:ea typeface="배달의민족 주아" panose="02020603020101020101" pitchFamily="18" charset="-127"/>
-              </a:rPr>
-              <a:t> </a:t>
-            </a:r>
-            <a:r>
-              <a:rPr lang="ko-KR" altLang="en-US" sz="1200" dirty="0" err="1">
-                <a:latin typeface="배달의민족 주아" panose="02020603020101020101" pitchFamily="18" charset="-127"/>
-                <a:ea typeface="배달의민족 주아" panose="02020603020101020101" pitchFamily="18" charset="-127"/>
-              </a:rPr>
-              <a:t>already</a:t>
-            </a:r>
-            <a:r>
-              <a:rPr lang="ko-KR" altLang="en-US" sz="1200" dirty="0">
-                <a:latin typeface="배달의민족 주아" panose="02020603020101020101" pitchFamily="18" charset="-127"/>
-                <a:ea typeface="배달의민족 주아" panose="02020603020101020101" pitchFamily="18" charset="-127"/>
-              </a:rPr>
-              <a:t> </a:t>
-            </a:r>
-            <a:r>
-              <a:rPr lang="ko-KR" altLang="en-US" sz="1200" dirty="0" err="1">
-                <a:latin typeface="배달의민족 주아" panose="02020603020101020101" pitchFamily="18" charset="-127"/>
-                <a:ea typeface="배달의민족 주아" panose="02020603020101020101" pitchFamily="18" charset="-127"/>
-              </a:rPr>
-              <a:t>available</a:t>
-            </a:r>
-            <a:r>
-              <a:rPr lang="ko-KR" altLang="en-US" sz="1200" dirty="0">
-                <a:latin typeface="배달의민족 주아" panose="02020603020101020101" pitchFamily="18" charset="-127"/>
-                <a:ea typeface="배달의민족 주아" panose="02020603020101020101" pitchFamily="18" charset="-127"/>
-              </a:rPr>
-              <a:t> </a:t>
-            </a:r>
-            <a:r>
-              <a:rPr lang="ko-KR" altLang="en-US" sz="1200" dirty="0" err="1">
-                <a:latin typeface="배달의민족 주아" panose="02020603020101020101" pitchFamily="18" charset="-127"/>
-                <a:ea typeface="배달의민족 주아" panose="02020603020101020101" pitchFamily="18" charset="-127"/>
-              </a:rPr>
-              <a:t>in</a:t>
-            </a:r>
-            <a:r>
-              <a:rPr lang="ko-KR" altLang="en-US" sz="1200" dirty="0">
-                <a:latin typeface="배달의민족 주아" panose="02020603020101020101" pitchFamily="18" charset="-127"/>
-                <a:ea typeface="배달의민족 주아" panose="02020603020101020101" pitchFamily="18" charset="-127"/>
-              </a:rPr>
-              <a:t> </a:t>
-            </a:r>
-            <a:r>
-              <a:rPr lang="ko-KR" altLang="en-US" sz="1200" dirty="0" err="1">
-                <a:latin typeface="배달의민족 주아" panose="02020603020101020101" pitchFamily="18" charset="-127"/>
-                <a:ea typeface="배달의민족 주아" panose="02020603020101020101" pitchFamily="18" charset="-127"/>
-              </a:rPr>
-              <a:t>certainmarkets</a:t>
-            </a:r>
-            <a:r>
-              <a:rPr lang="ko-KR" altLang="en-US" sz="1200" dirty="0">
-                <a:latin typeface="배달의민족 주아" panose="02020603020101020101" pitchFamily="18" charset="-127"/>
-                <a:ea typeface="배달의민족 주아" panose="02020603020101020101" pitchFamily="18" charset="-127"/>
-              </a:rPr>
-              <a:t> and </a:t>
-            </a:r>
-            <a:r>
-              <a:rPr lang="ko-KR" altLang="en-US" sz="1200" dirty="0" err="1">
-                <a:latin typeface="배달의민족 주아" panose="02020603020101020101" pitchFamily="18" charset="-127"/>
-                <a:ea typeface="배달의민족 주아" panose="02020603020101020101" pitchFamily="18" charset="-127"/>
-              </a:rPr>
-              <a:t>will</a:t>
-            </a:r>
-            <a:r>
-              <a:rPr lang="ko-KR" altLang="en-US" sz="1200" dirty="0">
-                <a:latin typeface="배달의민족 주아" panose="02020603020101020101" pitchFamily="18" charset="-127"/>
-                <a:ea typeface="배달의민족 주아" panose="02020603020101020101" pitchFamily="18" charset="-127"/>
-              </a:rPr>
-              <a:t> </a:t>
-            </a:r>
-            <a:r>
-              <a:rPr lang="ko-KR" altLang="en-US" sz="1200" dirty="0" err="1">
-                <a:latin typeface="배달의민족 주아" panose="02020603020101020101" pitchFamily="18" charset="-127"/>
-                <a:ea typeface="배달의민족 주아" panose="02020603020101020101" pitchFamily="18" charset="-127"/>
-              </a:rPr>
-              <a:t>be</a:t>
-            </a:r>
-            <a:r>
-              <a:rPr lang="ko-KR" altLang="en-US" sz="1200" dirty="0">
-                <a:latin typeface="배달의민족 주아" panose="02020603020101020101" pitchFamily="18" charset="-127"/>
-                <a:ea typeface="배달의민족 주아" panose="02020603020101020101" pitchFamily="18" charset="-127"/>
-              </a:rPr>
-              <a:t> </a:t>
-            </a:r>
-            <a:r>
-              <a:rPr lang="ko-KR" altLang="en-US" sz="1200" dirty="0" err="1">
-                <a:latin typeface="배달의민족 주아" panose="02020603020101020101" pitchFamily="18" charset="-127"/>
-                <a:ea typeface="배달의민족 주아" panose="02020603020101020101" pitchFamily="18" charset="-127"/>
-              </a:rPr>
-              <a:t>expanded</a:t>
-            </a:r>
-            <a:r>
-              <a:rPr lang="ko-KR" altLang="en-US" sz="1200" dirty="0">
-                <a:latin typeface="배달의민족 주아" panose="02020603020101020101" pitchFamily="18" charset="-127"/>
-                <a:ea typeface="배달의민족 주아" panose="02020603020101020101" pitchFamily="18" charset="-127"/>
-              </a:rPr>
-              <a:t> </a:t>
-            </a:r>
-            <a:r>
-              <a:rPr lang="ko-KR" altLang="en-US" sz="1200" dirty="0" err="1">
-                <a:latin typeface="배달의민족 주아" panose="02020603020101020101" pitchFamily="18" charset="-127"/>
-                <a:ea typeface="배달의민족 주아" panose="02020603020101020101" pitchFamily="18" charset="-127"/>
-              </a:rPr>
-              <a:t>in</a:t>
-            </a:r>
-            <a:r>
-              <a:rPr lang="ko-KR" altLang="en-US" sz="1200" dirty="0">
-                <a:latin typeface="배달의민족 주아" panose="02020603020101020101" pitchFamily="18" charset="-127"/>
-                <a:ea typeface="배달의민족 주아" panose="02020603020101020101" pitchFamily="18" charset="-127"/>
-              </a:rPr>
-              <a:t> 2019, </a:t>
-            </a:r>
-            <a:r>
-              <a:rPr lang="ko-KR" altLang="en-US" sz="1200" dirty="0" err="1">
-                <a:latin typeface="배달의민족 주아" panose="02020603020101020101" pitchFamily="18" charset="-127"/>
-                <a:ea typeface="배달의민족 주아" panose="02020603020101020101" pitchFamily="18" charset="-127"/>
-              </a:rPr>
-              <a:t>Walgreens</a:t>
-            </a:r>
-            <a:r>
-              <a:rPr lang="ko-KR" altLang="en-US" sz="1200" dirty="0">
-                <a:latin typeface="배달의민족 주아" panose="02020603020101020101" pitchFamily="18" charset="-127"/>
-                <a:ea typeface="배달의민족 주아" panose="02020603020101020101" pitchFamily="18" charset="-127"/>
-              </a:rPr>
-              <a:t> </a:t>
-            </a:r>
-            <a:r>
-              <a:rPr lang="ko-KR" altLang="en-US" sz="1200" dirty="0" err="1">
-                <a:latin typeface="배달의민족 주아" panose="02020603020101020101" pitchFamily="18" charset="-127"/>
-                <a:ea typeface="배달의민족 주아" panose="02020603020101020101" pitchFamily="18" charset="-127"/>
-              </a:rPr>
-              <a:t>said</a:t>
-            </a:r>
-            <a:r>
-              <a:rPr lang="ko-KR" altLang="en-US" sz="1200" dirty="0">
-                <a:latin typeface="배달의민족 주아" panose="02020603020101020101" pitchFamily="18" charset="-127"/>
-                <a:ea typeface="배달의민족 주아" panose="02020603020101020101" pitchFamily="18" charset="-127"/>
-              </a:rPr>
-              <a:t>.</a:t>
-            </a:r>
-          </a:p>
-        </p:txBody>
-      </p:sp>
-      <p:pic>
-        <p:nvPicPr>
-          <p:cNvPr id="2" name="그림 1">
-            <a:extLst>
-              <a:ext uri="{FF2B5EF4-FFF2-40B4-BE49-F238E27FC236}">
-                <a16:creationId xmlns:a16="http://schemas.microsoft.com/office/drawing/2014/main" id="{7259CB86-5580-46F9-A207-48E39B192915}"/>
-              </a:ext>
-            </a:extLst>
-          </p:cNvPr>
-          <p:cNvPicPr>
-            <a:picLocks noChangeAspect="1"/>
-          </p:cNvPicPr>
-          <p:nvPr/>
-        </p:nvPicPr>
-        <p:blipFill>
-          <a:blip r:embed="rId2"/>
-          <a:stretch>
-            <a:fillRect/>
-          </a:stretch>
-        </p:blipFill>
-        <p:spPr>
-          <a:xfrm>
-            <a:off x="2781745" y="4113194"/>
-            <a:ext cx="8782050" cy="2019300"/>
-          </a:xfrm>
-          <a:prstGeom prst="rect">
-            <a:avLst/>
-          </a:prstGeom>
-          <a:ln>
-            <a:noFill/>
-          </a:ln>
-          <a:effectLst>
-            <a:outerShdw blurRad="292100" dist="139700" dir="2700000" algn="tl" rotWithShape="0">
-              <a:srgbClr val="333333">
-                <a:alpha val="65000"/>
-              </a:srgbClr>
-            </a:outerShdw>
-          </a:effectLst>
-        </p:spPr>
-      </p:pic>
       <p:graphicFrame>
         <p:nvGraphicFramePr>
           <p:cNvPr id="25" name="표 24">
@@ -10511,7 +8855,11 @@
             <a:graphicFrameLocks noGrp="1"/>
           </p:cNvGraphicFramePr>
           <p:nvPr>
-            <p:extLst/>
+            <p:extLst>
+              <p:ext uri="{D42A27DB-BD31-4B8C-83A1-F6EECF244321}">
+                <p14:modId xmlns:p14="http://schemas.microsoft.com/office/powerpoint/2010/main" val="3826046462"/>
+              </p:ext>
+            </p:extLst>
           </p:nvPr>
         </p:nvGraphicFramePr>
         <p:xfrm>
@@ -10710,7 +9058,7 @@
                       <a:tailEnd type="none" w="med" len="med"/>
                     </a:lnB>
                     <a:solidFill>
-                      <a:srgbClr val="E96953"/>
+                      <a:schemeClr val="bg1"/>
                     </a:solidFill>
                   </a:tcPr>
                 </a:tc>
@@ -10768,7 +9116,7 @@
                           <a:latin typeface="배달의민족 주아" pitchFamily="18" charset="-127"/>
                           <a:ea typeface="배달의민족 주아" pitchFamily="18" charset="-127"/>
                         </a:rPr>
-                        <a:t>프로젝트 계획</a:t>
+                        <a:t>프로젝트 시연</a:t>
                       </a:r>
                     </a:p>
                   </a:txBody>
@@ -10810,7 +9158,7 @@
                       <a:tailEnd type="none" w="med" len="med"/>
                     </a:lnB>
                     <a:solidFill>
-                      <a:schemeClr val="bg1"/>
+                      <a:srgbClr val="E96953"/>
                     </a:solidFill>
                   </a:tcPr>
                 </a:tc>
@@ -10824,10 +9172,83 @@
           </a:graphicData>
         </a:graphic>
       </p:graphicFrame>
+      <p:pic>
+        <p:nvPicPr>
+          <p:cNvPr id="3" name="그림 2">
+            <a:extLst>
+              <a:ext uri="{FF2B5EF4-FFF2-40B4-BE49-F238E27FC236}">
+                <a16:creationId xmlns:a16="http://schemas.microsoft.com/office/drawing/2014/main" id="{55CEF8A9-E365-4F4B-8D0E-C3B70D967D9A}"/>
+              </a:ext>
+            </a:extLst>
+          </p:cNvPr>
+          <p:cNvPicPr>
+            <a:picLocks noChangeAspect="1"/>
+          </p:cNvPicPr>
+          <p:nvPr/>
+        </p:nvPicPr>
+        <p:blipFill>
+          <a:blip r:embed="rId2"/>
+          <a:stretch>
+            <a:fillRect/>
+          </a:stretch>
+        </p:blipFill>
+        <p:spPr>
+          <a:xfrm>
+            <a:off x="2013218" y="1356486"/>
+            <a:ext cx="8196044" cy="4145028"/>
+          </a:xfrm>
+          <a:prstGeom prst="rect">
+            <a:avLst/>
+          </a:prstGeom>
+        </p:spPr>
+      </p:pic>
+      <p:sp>
+        <p:nvSpPr>
+          <p:cNvPr id="4" name="TextBox 3">
+            <a:extLst>
+              <a:ext uri="{FF2B5EF4-FFF2-40B4-BE49-F238E27FC236}">
+                <a16:creationId xmlns:a16="http://schemas.microsoft.com/office/drawing/2014/main" id="{E6F05783-0C98-4C6C-AAF5-B6B117AFD3EB}"/>
+              </a:ext>
+            </a:extLst>
+          </p:cNvPr>
+          <p:cNvSpPr txBox="1"/>
+          <p:nvPr/>
+        </p:nvSpPr>
+        <p:spPr>
+          <a:xfrm>
+            <a:off x="3365383" y="5891541"/>
+            <a:ext cx="5461233" cy="369332"/>
+          </a:xfrm>
+          <a:prstGeom prst="rect">
+            <a:avLst/>
+          </a:prstGeom>
+          <a:noFill/>
+        </p:spPr>
+        <p:txBody>
+          <a:bodyPr wrap="square" rtlCol="0">
+            <a:spAutoFit/>
+          </a:bodyPr>
+          <a:lstStyle/>
+          <a:p>
+            <a:r>
+              <a:rPr lang="en-US" altLang="ko-KR" dirty="0">
+                <a:latin typeface="배달의민족 주아" panose="02020603020101020101" pitchFamily="18" charset="-127"/>
+                <a:ea typeface="배달의민족 주아" panose="02020603020101020101" pitchFamily="18" charset="-127"/>
+                <a:hlinkClick r:id="rId3"/>
+              </a:rPr>
+              <a:t>http://210.117.181.240:8080/Webpage/index.html</a:t>
+            </a:r>
+            <a:endParaRPr lang="ko-KR" altLang="en-US" dirty="0">
+              <a:latin typeface="배달의민족 주아" panose="02020603020101020101" pitchFamily="18" charset="-127"/>
+              <a:ea typeface="배달의민족 주아" panose="02020603020101020101" pitchFamily="18" charset="-127"/>
+            </a:endParaRPr>
+          </a:p>
+        </p:txBody>
+      </p:sp>
     </p:spTree>
     <p:extLst>
       <p:ext uri="{BB962C8B-B14F-4D97-AF65-F5344CB8AC3E}">
-        <p14:creationId xmlns:p14="http://schemas.microsoft.com/office/powerpoint/2010/main" val="3288666701"/>
+        <p14:creationId xmlns:p14="http://schemas.microsoft.com/office/powerpoint/2010/main" val="20482069"/>
       </p:ext>
     </p:extLst>
   </p:cSld>
@@ -10839,190 +9260,6 @@
 </file>
 
 <file path=ppt/slides/slide13.xml><?xml version="1.0" encoding="utf-8"?>
-<p:sld xmlns:a="http://schemas.openxmlformats.org/drawingml/2006/main" xmlns:r="http://schemas.openxmlformats.org/officeDocument/2006/relationships" xmlns:p="http://schemas.openxmlformats.org/presentationml/2006/main">
-  <p:cSld>
-    <p:spTree>
-      <p:nvGrpSpPr>
-        <p:cNvPr id="1" name=""/>
-        <p:cNvGrpSpPr/>
-        <p:nvPr/>
-      </p:nvGrpSpPr>
-      <p:grpSpPr>
-        <a:xfrm>
-          <a:off x="0" y="0"/>
-          <a:ext cx="0" cy="0"/>
-          <a:chOff x="0" y="0"/>
-          <a:chExt cx="0" cy="0"/>
-        </a:xfrm>
-      </p:grpSpPr>
-      <p:sp>
-        <p:nvSpPr>
-          <p:cNvPr id="5" name="직사각형 4"/>
-          <p:cNvSpPr/>
-          <p:nvPr/>
-        </p:nvSpPr>
-        <p:spPr>
-          <a:xfrm>
-            <a:off x="0" y="2514600"/>
-            <a:ext cx="12192000" cy="4343400"/>
-          </a:xfrm>
-          <a:prstGeom prst="rect">
-            <a:avLst/>
-          </a:prstGeom>
-          <a:solidFill>
-            <a:srgbClr val="E96953"/>
-          </a:solidFill>
-          <a:ln>
-            <a:noFill/>
-          </a:ln>
-        </p:spPr>
-        <p:style>
-          <a:lnRef idx="2">
-            <a:schemeClr val="accent1">
-              <a:shade val="50000"/>
-            </a:schemeClr>
-          </a:lnRef>
-          <a:fillRef idx="1">
-            <a:schemeClr val="accent1"/>
-          </a:fillRef>
-          <a:effectRef idx="0">
-            <a:schemeClr val="accent1"/>
-          </a:effectRef>
-          <a:fontRef idx="minor">
-            <a:schemeClr val="lt1"/>
-          </a:fontRef>
-        </p:style>
-        <p:txBody>
-          <a:bodyPr rtlCol="0" anchor="ctr"/>
-          <a:lstStyle/>
-          <a:p>
-            <a:pPr algn="ctr"/>
-            <a:endParaRPr lang="ko-KR" altLang="en-US" dirty="0"/>
-          </a:p>
-        </p:txBody>
-      </p:sp>
-      <p:sp>
-        <p:nvSpPr>
-          <p:cNvPr id="3" name="직사각형 2"/>
-          <p:cNvSpPr/>
-          <p:nvPr/>
-        </p:nvSpPr>
-        <p:spPr>
-          <a:xfrm>
-            <a:off x="0" y="0"/>
-            <a:ext cx="12192000" cy="3472542"/>
-          </a:xfrm>
-          <a:prstGeom prst="rect">
-            <a:avLst/>
-          </a:prstGeom>
-          <a:solidFill>
-            <a:srgbClr val="E96953"/>
-          </a:solidFill>
-          <a:ln>
-            <a:noFill/>
-          </a:ln>
-        </p:spPr>
-        <p:style>
-          <a:lnRef idx="2">
-            <a:schemeClr val="accent1">
-              <a:shade val="50000"/>
-            </a:schemeClr>
-          </a:lnRef>
-          <a:fillRef idx="1">
-            <a:schemeClr val="accent1"/>
-          </a:fillRef>
-          <a:effectRef idx="0">
-            <a:schemeClr val="accent1"/>
-          </a:effectRef>
-          <a:fontRef idx="minor">
-            <a:schemeClr val="lt1"/>
-          </a:fontRef>
-        </p:style>
-        <p:txBody>
-          <a:bodyPr rtlCol="0" anchor="ctr"/>
-          <a:lstStyle/>
-          <a:p>
-            <a:pPr algn="ctr"/>
-            <a:endParaRPr lang="ko-KR" altLang="en-US" dirty="0"/>
-          </a:p>
-        </p:txBody>
-      </p:sp>
-      <p:sp>
-        <p:nvSpPr>
-          <p:cNvPr id="4" name="직사각형 3"/>
-          <p:cNvSpPr/>
-          <p:nvPr/>
-        </p:nvSpPr>
-        <p:spPr>
-          <a:xfrm>
-            <a:off x="3997596" y="2827392"/>
-            <a:ext cx="4232004" cy="703208"/>
-          </a:xfrm>
-          <a:prstGeom prst="rect">
-            <a:avLst/>
-          </a:prstGeom>
-          <a:solidFill>
-            <a:srgbClr val="40464A"/>
-          </a:solidFill>
-        </p:spPr>
-        <p:txBody>
-          <a:bodyPr wrap="square" rtlCol="0">
-            <a:spAutoFit/>
-          </a:bodyPr>
-          <a:lstStyle/>
-          <a:p>
-            <a:pPr algn="ctr"/>
-            <a:r>
-              <a:rPr lang="en-US" altLang="ko-KR" sz="4000" b="1" spc="600" dirty="0">
-                <a:ln>
-                  <a:solidFill>
-                    <a:schemeClr val="bg1">
-                      <a:alpha val="0"/>
-                    </a:schemeClr>
-                  </a:solidFill>
-                </a:ln>
-                <a:solidFill>
-                  <a:schemeClr val="bg1"/>
-                </a:solidFill>
-                <a:latin typeface="Arial" panose="020B0604020202020204" pitchFamily="34" charset="0"/>
-                <a:cs typeface="Arial" panose="020B0604020202020204" pitchFamily="34" charset="0"/>
-              </a:rPr>
-              <a:t>DEMO</a:t>
-            </a:r>
-            <a:endParaRPr lang="ko-KR" altLang="en-US" sz="4000" b="1" spc="600" dirty="0">
-              <a:ln>
-                <a:solidFill>
-                  <a:schemeClr val="bg1">
-                    <a:alpha val="0"/>
-                  </a:schemeClr>
-                </a:solidFill>
-              </a:ln>
-              <a:solidFill>
-                <a:schemeClr val="bg1">
-                  <a:lumMod val="95000"/>
-                </a:schemeClr>
-              </a:solidFill>
-              <a:latin typeface="Arial" panose="020B0604020202020204" pitchFamily="34" charset="0"/>
-              <a:cs typeface="Arial" panose="020B0604020202020204" pitchFamily="34" charset="0"/>
-            </a:endParaRPr>
-          </a:p>
-        </p:txBody>
-      </p:sp>
-    </p:spTree>
-    <p:extLst>
-      <p:ext uri="{BB962C8B-B14F-4D97-AF65-F5344CB8AC3E}">
-        <p14:creationId xmlns:p14="http://schemas.microsoft.com/office/powerpoint/2010/main" val="2777854248"/>
-      </p:ext>
-    </p:extLst>
-  </p:cSld>
-  <p:clrMapOvr>
-    <a:masterClrMapping/>
-  </p:clrMapOvr>
-  <p:transition/>
-</p:sld>
-</file>
-
-<file path=ppt/slides/slide14.xml><?xml version="1.0" encoding="utf-8"?>
 <p:sld xmlns:a="http://schemas.openxmlformats.org/drawingml/2006/main" xmlns:r="http://schemas.openxmlformats.org/officeDocument/2006/relationships" xmlns:p="http://schemas.openxmlformats.org/presentationml/2006/main">
   <p:cSld>
     <p:spTree>
@@ -12257,7 +10494,7 @@
           <p:nvPr>
             <p:extLst>
               <p:ext uri="{D42A27DB-BD31-4B8C-83A1-F6EECF244321}">
-                <p14:modId xmlns:p14="http://schemas.microsoft.com/office/powerpoint/2010/main" val="756389398"/>
+                <p14:modId xmlns:p14="http://schemas.microsoft.com/office/powerpoint/2010/main" val="1728514970"/>
               </p:ext>
             </p:extLst>
           </p:nvPr>
@@ -12516,7 +10753,7 @@
                           <a:latin typeface="배달의민족 주아" pitchFamily="18" charset="-127"/>
                           <a:ea typeface="배달의민족 주아" pitchFamily="18" charset="-127"/>
                         </a:rPr>
-                        <a:t>프로젝트 계획</a:t>
+                        <a:t>프로젝트 시연</a:t>
                       </a:r>
                     </a:p>
                   </a:txBody>
@@ -13053,7 +11290,7 @@
           <p:nvPr>
             <p:extLst>
               <p:ext uri="{D42A27DB-BD31-4B8C-83A1-F6EECF244321}">
-                <p14:modId xmlns:p14="http://schemas.microsoft.com/office/powerpoint/2010/main" val="2317068725"/>
+                <p14:modId xmlns:p14="http://schemas.microsoft.com/office/powerpoint/2010/main" val="1767282327"/>
               </p:ext>
             </p:extLst>
           </p:nvPr>
@@ -13312,7 +11549,7 @@
                           <a:latin typeface="배달의민족 주아" pitchFamily="18" charset="-127"/>
                           <a:ea typeface="배달의민족 주아" pitchFamily="18" charset="-127"/>
                         </a:rPr>
-                        <a:t>프로젝트 계획</a:t>
+                        <a:t>프로젝트 시연</a:t>
                       </a:r>
                     </a:p>
                   </a:txBody>
@@ -13779,7 +12016,7 @@
           <p:nvPr>
             <p:extLst>
               <p:ext uri="{D42A27DB-BD31-4B8C-83A1-F6EECF244321}">
-                <p14:modId xmlns:p14="http://schemas.microsoft.com/office/powerpoint/2010/main" val="2012087585"/>
+                <p14:modId xmlns:p14="http://schemas.microsoft.com/office/powerpoint/2010/main" val="2749496744"/>
               </p:ext>
             </p:extLst>
           </p:nvPr>
@@ -14038,7 +12275,7 @@
                           <a:latin typeface="배달의민족 주아" pitchFamily="18" charset="-127"/>
                           <a:ea typeface="배달의민족 주아" pitchFamily="18" charset="-127"/>
                         </a:rPr>
-                        <a:t>프로젝트 계획</a:t>
+                        <a:t>프로젝트 시연</a:t>
                       </a:r>
                     </a:p>
                   </a:txBody>
@@ -14733,7 +12970,7 @@
           <p:nvPr>
             <p:extLst>
               <p:ext uri="{D42A27DB-BD31-4B8C-83A1-F6EECF244321}">
-                <p14:modId xmlns:p14="http://schemas.microsoft.com/office/powerpoint/2010/main" val="2012087585"/>
+                <p14:modId xmlns:p14="http://schemas.microsoft.com/office/powerpoint/2010/main" val="2262584918"/>
               </p:ext>
             </p:extLst>
           </p:nvPr>
@@ -14992,7 +13229,7 @@
                           <a:latin typeface="배달의민족 주아" pitchFamily="18" charset="-127"/>
                           <a:ea typeface="배달의민족 주아" pitchFamily="18" charset="-127"/>
                         </a:rPr>
-                        <a:t>프로젝트 계획</a:t>
+                        <a:t>프로젝트 시연</a:t>
                       </a:r>
                     </a:p>
                   </a:txBody>
@@ -15527,7 +13764,7 @@
           <p:nvPr>
             <p:extLst>
               <p:ext uri="{D42A27DB-BD31-4B8C-83A1-F6EECF244321}">
-                <p14:modId xmlns:p14="http://schemas.microsoft.com/office/powerpoint/2010/main" val="2012087585"/>
+                <p14:modId xmlns:p14="http://schemas.microsoft.com/office/powerpoint/2010/main" val="533575332"/>
               </p:ext>
             </p:extLst>
           </p:nvPr>
@@ -15786,7 +14023,7 @@
                           <a:latin typeface="배달의민족 주아" pitchFamily="18" charset="-127"/>
                           <a:ea typeface="배달의민족 주아" pitchFamily="18" charset="-127"/>
                         </a:rPr>
-                        <a:t>프로젝트 계획</a:t>
+                        <a:t>프로젝트 시연</a:t>
                       </a:r>
                     </a:p>
                   </a:txBody>
@@ -16277,7 +14514,7 @@
           <p:nvPr>
             <p:extLst>
               <p:ext uri="{D42A27DB-BD31-4B8C-83A1-F6EECF244321}">
-                <p14:modId xmlns:p14="http://schemas.microsoft.com/office/powerpoint/2010/main" val="2012087585"/>
+                <p14:modId xmlns:p14="http://schemas.microsoft.com/office/powerpoint/2010/main" val="3446707576"/>
               </p:ext>
             </p:extLst>
           </p:nvPr>
@@ -16536,7 +14773,7 @@
                           <a:latin typeface="배달의민족 주아" pitchFamily="18" charset="-127"/>
                           <a:ea typeface="배달의민족 주아" pitchFamily="18" charset="-127"/>
                         </a:rPr>
-                        <a:t>프로젝트 계획</a:t>
+                        <a:t>프로젝트 시연</a:t>
                       </a:r>
                     </a:p>
                   </a:txBody>
@@ -17761,7 +15998,7 @@
           <p:nvPr>
             <p:extLst>
               <p:ext uri="{D42A27DB-BD31-4B8C-83A1-F6EECF244321}">
-                <p14:modId xmlns:p14="http://schemas.microsoft.com/office/powerpoint/2010/main" val="2012087585"/>
+                <p14:modId xmlns:p14="http://schemas.microsoft.com/office/powerpoint/2010/main" val="2273813975"/>
               </p:ext>
             </p:extLst>
           </p:nvPr>
@@ -18020,7 +16257,7 @@
                           <a:latin typeface="배달의민족 주아" pitchFamily="18" charset="-127"/>
                           <a:ea typeface="배달의민족 주아" pitchFamily="18" charset="-127"/>
                         </a:rPr>
-                        <a:t>프로젝트 계획</a:t>
+                        <a:t>프로젝트 시연</a:t>
                       </a:r>
                     </a:p>
                   </a:txBody>
